--- a/개발 5팀 6차 미니 프로젝트/6) KOSMO_77기_개발 0팀_일정관리_형상관리_활용_종합보고서.pptx
+++ b/개발 5팀 6차 미니 프로젝트/6) KOSMO_77기_개발 0팀_일정관리_형상관리_활용_종합보고서.pptx
@@ -5,10 +5,11 @@
     <p:sldMasterId id="2147483648" r:id="rId1"/>
   </p:sldMasterIdLst>
   <p:sldIdLst>
-    <p:sldId id="256" r:id="rId2"/>
-    <p:sldId id="257" r:id="rId3"/>
+    <p:sldId id="257" r:id="rId2"/>
+    <p:sldId id="261" r:id="rId3"/>
     <p:sldId id="258" r:id="rId4"/>
     <p:sldId id="259" r:id="rId5"/>
+    <p:sldId id="260" r:id="rId6"/>
   </p:sldIdLst>
   <p:sldSz cx="9144000" cy="6858000" type="screen4x3"/>
   <p:notesSz cx="6858000" cy="9144000"/>
@@ -306,7 +307,7 @@
             <a:fld id="{3043414A-E12B-44ED-AF2F-470187DD60AF}" type="datetimeFigureOut">
               <a:rPr lang="ko-KR" altLang="en-US" smtClean="0"/>
               <a:pPr/>
-              <a:t>2021-04-02</a:t>
+              <a:t>2021-05-11</a:t>
             </a:fld>
             <a:endParaRPr lang="ko-KR" altLang="en-US"/>
           </a:p>
@@ -476,7 +477,7 @@
             <a:fld id="{3043414A-E12B-44ED-AF2F-470187DD60AF}" type="datetimeFigureOut">
               <a:rPr lang="ko-KR" altLang="en-US" smtClean="0"/>
               <a:pPr/>
-              <a:t>2021-04-02</a:t>
+              <a:t>2021-05-11</a:t>
             </a:fld>
             <a:endParaRPr lang="ko-KR" altLang="en-US"/>
           </a:p>
@@ -656,7 +657,7 @@
             <a:fld id="{3043414A-E12B-44ED-AF2F-470187DD60AF}" type="datetimeFigureOut">
               <a:rPr lang="ko-KR" altLang="en-US" smtClean="0"/>
               <a:pPr/>
-              <a:t>2021-04-02</a:t>
+              <a:t>2021-05-11</a:t>
             </a:fld>
             <a:endParaRPr lang="ko-KR" altLang="en-US"/>
           </a:p>
@@ -826,7 +827,7 @@
             <a:fld id="{3043414A-E12B-44ED-AF2F-470187DD60AF}" type="datetimeFigureOut">
               <a:rPr lang="ko-KR" altLang="en-US" smtClean="0"/>
               <a:pPr/>
-              <a:t>2021-04-02</a:t>
+              <a:t>2021-05-11</a:t>
             </a:fld>
             <a:endParaRPr lang="ko-KR" altLang="en-US"/>
           </a:p>
@@ -1073,7 +1074,7 @@
             <a:fld id="{3043414A-E12B-44ED-AF2F-470187DD60AF}" type="datetimeFigureOut">
               <a:rPr lang="ko-KR" altLang="en-US" smtClean="0"/>
               <a:pPr/>
-              <a:t>2021-04-02</a:t>
+              <a:t>2021-05-11</a:t>
             </a:fld>
             <a:endParaRPr lang="ko-KR" altLang="en-US"/>
           </a:p>
@@ -1360,7 +1361,7 @@
             <a:fld id="{3043414A-E12B-44ED-AF2F-470187DD60AF}" type="datetimeFigureOut">
               <a:rPr lang="ko-KR" altLang="en-US" smtClean="0"/>
               <a:pPr/>
-              <a:t>2021-04-02</a:t>
+              <a:t>2021-05-11</a:t>
             </a:fld>
             <a:endParaRPr lang="ko-KR" altLang="en-US"/>
           </a:p>
@@ -1781,7 +1782,7 @@
             <a:fld id="{3043414A-E12B-44ED-AF2F-470187DD60AF}" type="datetimeFigureOut">
               <a:rPr lang="ko-KR" altLang="en-US" smtClean="0"/>
               <a:pPr/>
-              <a:t>2021-04-02</a:t>
+              <a:t>2021-05-11</a:t>
             </a:fld>
             <a:endParaRPr lang="ko-KR" altLang="en-US"/>
           </a:p>
@@ -1900,7 +1901,7 @@
             <a:fld id="{3043414A-E12B-44ED-AF2F-470187DD60AF}" type="datetimeFigureOut">
               <a:rPr lang="ko-KR" altLang="en-US" smtClean="0"/>
               <a:pPr/>
-              <a:t>2021-04-02</a:t>
+              <a:t>2021-05-11</a:t>
             </a:fld>
             <a:endParaRPr lang="ko-KR" altLang="en-US"/>
           </a:p>
@@ -1997,7 +1998,7 @@
             <a:fld id="{3043414A-E12B-44ED-AF2F-470187DD60AF}" type="datetimeFigureOut">
               <a:rPr lang="ko-KR" altLang="en-US" smtClean="0"/>
               <a:pPr/>
-              <a:t>2021-04-02</a:t>
+              <a:t>2021-05-11</a:t>
             </a:fld>
             <a:endParaRPr lang="ko-KR" altLang="en-US"/>
           </a:p>
@@ -2274,7 +2275,7 @@
             <a:fld id="{3043414A-E12B-44ED-AF2F-470187DD60AF}" type="datetimeFigureOut">
               <a:rPr lang="ko-KR" altLang="en-US" smtClean="0"/>
               <a:pPr/>
-              <a:t>2021-04-02</a:t>
+              <a:t>2021-05-11</a:t>
             </a:fld>
             <a:endParaRPr lang="ko-KR" altLang="en-US"/>
           </a:p>
@@ -2528,7 +2529,7 @@
             <a:fld id="{3043414A-E12B-44ED-AF2F-470187DD60AF}" type="datetimeFigureOut">
               <a:rPr lang="ko-KR" altLang="en-US" smtClean="0"/>
               <a:pPr/>
-              <a:t>2021-04-02</a:t>
+              <a:t>2021-05-11</a:t>
             </a:fld>
             <a:endParaRPr lang="ko-KR" altLang="en-US"/>
           </a:p>
@@ -2741,7 +2742,7 @@
             <a:fld id="{3043414A-E12B-44ED-AF2F-470187DD60AF}" type="datetimeFigureOut">
               <a:rPr lang="ko-KR" altLang="en-US" smtClean="0"/>
               <a:pPr/>
-              <a:t>2021-04-02</a:t>
+              <a:t>2021-05-11</a:t>
             </a:fld>
             <a:endParaRPr lang="ko-KR" altLang="en-US"/>
           </a:p>
@@ -3119,10 +3120,10 @@
       </p:grpSpPr>
       <p:sp>
         <p:nvSpPr>
-          <p:cNvPr id="18" name="TextBox 17">
+          <p:cNvPr id="9" name="TextBox 8">
             <a:extLst>
               <a:ext uri="{FF2B5EF4-FFF2-40B4-BE49-F238E27FC236}">
-                <a16:creationId xmlns:a16="http://schemas.microsoft.com/office/drawing/2014/main" id="{D7B7EE40-BAD9-4569-9BF6-F6E9ACA78A3C}"/>
+                <a16:creationId xmlns:a16="http://schemas.microsoft.com/office/drawing/2014/main" id="{72A2B6BD-013E-4963-B318-FF584318CC4E}"/>
               </a:ext>
             </a:extLst>
           </p:cNvPr>
@@ -3194,10 +3195,10 @@
       </p:sp>
       <p:sp>
         <p:nvSpPr>
-          <p:cNvPr id="22" name="직사각형 21">
+          <p:cNvPr id="10" name="직사각형 9">
             <a:extLst>
               <a:ext uri="{FF2B5EF4-FFF2-40B4-BE49-F238E27FC236}">
-                <a16:creationId xmlns:a16="http://schemas.microsoft.com/office/drawing/2014/main" id="{AB4C8245-D0E4-4D79-B3E9-2FB89CE6FE84}"/>
+                <a16:creationId xmlns:a16="http://schemas.microsoft.com/office/drawing/2014/main" id="{80AF5635-BC8E-43BA-9FF0-02BBB733D2AD}"/>
               </a:ext>
             </a:extLst>
           </p:cNvPr>
@@ -3246,10 +3247,10 @@
       </p:sp>
       <p:sp>
         <p:nvSpPr>
-          <p:cNvPr id="23" name="TextBox 22">
+          <p:cNvPr id="11" name="TextBox 10">
             <a:extLst>
               <a:ext uri="{FF2B5EF4-FFF2-40B4-BE49-F238E27FC236}">
-                <a16:creationId xmlns:a16="http://schemas.microsoft.com/office/drawing/2014/main" id="{706566D1-60CB-4C10-9859-0656D082B2B7}"/>
+                <a16:creationId xmlns:a16="http://schemas.microsoft.com/office/drawing/2014/main" id="{95B8E209-6031-44CB-AF94-70ABFBC48432}"/>
               </a:ext>
             </a:extLst>
           </p:cNvPr>
@@ -3258,8 +3259,8 @@
         </p:nvSpPr>
         <p:spPr>
           <a:xfrm>
-            <a:off x="214282" y="4059800"/>
-            <a:ext cx="1918244" cy="369332"/>
+            <a:off x="71406" y="714356"/>
+            <a:ext cx="4932642" cy="369332"/>
           </a:xfrm>
           <a:prstGeom prst="rect">
             <a:avLst/>
@@ -3287,7 +3288,7 @@
                 <a:latin typeface="맑은 고딕" panose="020B0503020000020004" pitchFamily="50" charset="-127"/>
                 <a:ea typeface="맑은 고딕" panose="020B0503020000020004" pitchFamily="50" charset="-127"/>
               </a:rPr>
-              <a:t>Trello : </a:t>
+              <a:t>Gantt Chart : 05</a:t>
             </a:r>
             <a:r>
               <a:rPr lang="ko-KR" altLang="en-US" b="1" dirty="0">
@@ -3301,53 +3302,8 @@
                 <a:latin typeface="맑은 고딕" panose="020B0503020000020004" pitchFamily="50" charset="-127"/>
                 <a:ea typeface="맑은 고딕" panose="020B0503020000020004" pitchFamily="50" charset="-127"/>
               </a:rPr>
-              <a:t>형상관리</a:t>
-            </a:r>
-            <a:endParaRPr lang="en-US" altLang="ko-KR" b="1" dirty="0">
-              <a:ln>
-                <a:solidFill>
-                  <a:schemeClr val="tx1">
-                    <a:alpha val="30000"/>
-                  </a:schemeClr>
-                </a:solidFill>
-              </a:ln>
-              <a:latin typeface="맑은 고딕" panose="020B0503020000020004" pitchFamily="50" charset="-127"/>
-              <a:ea typeface="맑은 고딕" panose="020B0503020000020004" pitchFamily="50" charset="-127"/>
-            </a:endParaRPr>
-          </a:p>
-        </p:txBody>
-      </p:sp>
-      <p:sp>
-        <p:nvSpPr>
-          <p:cNvPr id="24" name="TextBox 23">
-            <a:extLst>
-              <a:ext uri="{FF2B5EF4-FFF2-40B4-BE49-F238E27FC236}">
-                <a16:creationId xmlns:a16="http://schemas.microsoft.com/office/drawing/2014/main" id="{706566D1-60CB-4C10-9859-0656D082B2B7}"/>
-              </a:ext>
-            </a:extLst>
-          </p:cNvPr>
-          <p:cNvSpPr txBox="1"/>
-          <p:nvPr/>
-        </p:nvSpPr>
-        <p:spPr>
-          <a:xfrm>
-            <a:off x="4857752" y="4059800"/>
-            <a:ext cx="2200091" cy="369332"/>
-          </a:xfrm>
-          <a:prstGeom prst="rect">
-            <a:avLst/>
-          </a:prstGeom>
-          <a:noFill/>
-          <a:ln>
-            <a:noFill/>
-          </a:ln>
-        </p:spPr>
-        <p:txBody>
-          <a:bodyPr wrap="square" rtlCol="0">
-            <a:spAutoFit/>
-          </a:bodyPr>
-          <a:lstStyle/>
-          <a:p>
+              <a:t>월</a:t>
+            </a:r>
             <a:r>
               <a:rPr lang="en-US" altLang="ko-KR" b="1" dirty="0">
                 <a:ln>
@@ -3360,7 +3316,7 @@
                 <a:latin typeface="맑은 고딕" panose="020B0503020000020004" pitchFamily="50" charset="-127"/>
                 <a:ea typeface="맑은 고딕" panose="020B0503020000020004" pitchFamily="50" charset="-127"/>
               </a:rPr>
-              <a:t>GitHub : </a:t>
+              <a:t>04</a:t>
             </a:r>
             <a:r>
               <a:rPr lang="ko-KR" altLang="en-US" b="1" dirty="0">
@@ -3374,53 +3330,8 @@
                 <a:latin typeface="맑은 고딕" panose="020B0503020000020004" pitchFamily="50" charset="-127"/>
                 <a:ea typeface="맑은 고딕" panose="020B0503020000020004" pitchFamily="50" charset="-127"/>
               </a:rPr>
-              <a:t>형상관리</a:t>
-            </a:r>
-            <a:endParaRPr lang="en-US" altLang="ko-KR" b="1" dirty="0">
-              <a:ln>
-                <a:solidFill>
-                  <a:schemeClr val="tx1">
-                    <a:alpha val="30000"/>
-                  </a:schemeClr>
-                </a:solidFill>
-              </a:ln>
-              <a:latin typeface="맑은 고딕" panose="020B0503020000020004" pitchFamily="50" charset="-127"/>
-              <a:ea typeface="맑은 고딕" panose="020B0503020000020004" pitchFamily="50" charset="-127"/>
-            </a:endParaRPr>
-          </a:p>
-        </p:txBody>
-      </p:sp>
-      <p:sp>
-        <p:nvSpPr>
-          <p:cNvPr id="25" name="TextBox 24">
-            <a:extLst>
-              <a:ext uri="{FF2B5EF4-FFF2-40B4-BE49-F238E27FC236}">
-                <a16:creationId xmlns:a16="http://schemas.microsoft.com/office/drawing/2014/main" id="{706566D1-60CB-4C10-9859-0656D082B2B7}"/>
-              </a:ext>
-            </a:extLst>
-          </p:cNvPr>
-          <p:cNvSpPr txBox="1"/>
-          <p:nvPr/>
-        </p:nvSpPr>
-        <p:spPr>
-          <a:xfrm>
-            <a:off x="71406" y="714356"/>
-            <a:ext cx="4357718" cy="369332"/>
-          </a:xfrm>
-          <a:prstGeom prst="rect">
-            <a:avLst/>
-          </a:prstGeom>
-          <a:noFill/>
-          <a:ln>
-            <a:noFill/>
-          </a:ln>
-        </p:spPr>
-        <p:txBody>
-          <a:bodyPr wrap="square" rtlCol="0">
-            <a:spAutoFit/>
-          </a:bodyPr>
-          <a:lstStyle/>
-          <a:p>
+              <a:t>일 </a:t>
+            </a:r>
             <a:r>
               <a:rPr lang="en-US" altLang="ko-KR" b="1" dirty="0">
                 <a:ln>
@@ -3433,7 +3344,7 @@
                 <a:latin typeface="맑은 고딕" panose="020B0503020000020004" pitchFamily="50" charset="-127"/>
                 <a:ea typeface="맑은 고딕" panose="020B0503020000020004" pitchFamily="50" charset="-127"/>
               </a:rPr>
-              <a:t>Gantt Chart : 4</a:t>
+              <a:t>~ 05</a:t>
             </a:r>
             <a:r>
               <a:rPr lang="ko-KR" altLang="en-US" b="1" dirty="0">
@@ -3461,7 +3372,7 @@
                 <a:latin typeface="맑은 고딕" panose="020B0503020000020004" pitchFamily="50" charset="-127"/>
                 <a:ea typeface="맑은 고딕" panose="020B0503020000020004" pitchFamily="50" charset="-127"/>
               </a:rPr>
-              <a:t>2</a:t>
+              <a:t>11</a:t>
             </a:r>
             <a:r>
               <a:rPr lang="ko-KR" altLang="en-US" b="1" dirty="0">
@@ -3489,7 +3400,7 @@
                 <a:latin typeface="맑은 고딕" panose="020B0503020000020004" pitchFamily="50" charset="-127"/>
                 <a:ea typeface="맑은 고딕" panose="020B0503020000020004" pitchFamily="50" charset="-127"/>
               </a:rPr>
-              <a:t>~ 4</a:t>
+              <a:t>(1</a:t>
             </a:r>
             <a:r>
               <a:rPr lang="ko-KR" altLang="en-US" b="1" dirty="0">
@@ -3503,7 +3414,7 @@
                 <a:latin typeface="맑은 고딕" panose="020B0503020000020004" pitchFamily="50" charset="-127"/>
                 <a:ea typeface="맑은 고딕" panose="020B0503020000020004" pitchFamily="50" charset="-127"/>
               </a:rPr>
-              <a:t>월 </a:t>
+              <a:t>주</a:t>
             </a:r>
             <a:r>
               <a:rPr lang="en-US" altLang="ko-KR" b="1" dirty="0">
@@ -3517,63 +3428,7 @@
                 <a:latin typeface="맑은 고딕" panose="020B0503020000020004" pitchFamily="50" charset="-127"/>
                 <a:ea typeface="맑은 고딕" panose="020B0503020000020004" pitchFamily="50" charset="-127"/>
               </a:rPr>
-              <a:t>9</a:t>
-            </a:r>
-            <a:r>
-              <a:rPr lang="ko-KR" altLang="en-US" b="1" dirty="0">
-                <a:ln>
-                  <a:solidFill>
-                    <a:schemeClr val="tx1">
-                      <a:alpha val="30000"/>
-                    </a:schemeClr>
-                  </a:solidFill>
-                </a:ln>
-                <a:latin typeface="맑은 고딕" panose="020B0503020000020004" pitchFamily="50" charset="-127"/>
-                <a:ea typeface="맑은 고딕" panose="020B0503020000020004" pitchFamily="50" charset="-127"/>
-              </a:rPr>
-              <a:t>일 </a:t>
-            </a:r>
-            <a:r>
-              <a:rPr lang="en-US" altLang="ko-KR" b="1" dirty="0">
-                <a:ln>
-                  <a:solidFill>
-                    <a:schemeClr val="tx1">
-                      <a:alpha val="30000"/>
-                    </a:schemeClr>
-                  </a:solidFill>
-                </a:ln>
-                <a:latin typeface="맑은 고딕" panose="020B0503020000020004" pitchFamily="50" charset="-127"/>
-                <a:ea typeface="맑은 고딕" panose="020B0503020000020004" pitchFamily="50" charset="-127"/>
-              </a:rPr>
-              <a:t>(1</a:t>
-            </a:r>
-            <a:r>
-              <a:rPr lang="ko-KR" altLang="en-US" b="1" dirty="0">
-                <a:ln>
-                  <a:solidFill>
-                    <a:schemeClr val="tx1">
-                      <a:alpha val="30000"/>
-                    </a:schemeClr>
-                  </a:solidFill>
-                </a:ln>
-                <a:latin typeface="맑은 고딕" panose="020B0503020000020004" pitchFamily="50" charset="-127"/>
-                <a:ea typeface="맑은 고딕" panose="020B0503020000020004" pitchFamily="50" charset="-127"/>
-              </a:rPr>
-              <a:t>주</a:t>
-            </a:r>
-            <a:r>
-              <a:rPr lang="en-US" altLang="ko-KR" b="1" dirty="0">
-                <a:ln>
-                  <a:solidFill>
-                    <a:schemeClr val="tx1">
-                      <a:alpha val="30000"/>
-                    </a:schemeClr>
-                  </a:solidFill>
-                </a:ln>
-                <a:latin typeface="맑은 고딕" panose="020B0503020000020004" pitchFamily="50" charset="-127"/>
-                <a:ea typeface="맑은 고딕" panose="020B0503020000020004" pitchFamily="50" charset="-127"/>
-              </a:rPr>
-              <a:t>) </a:t>
+              <a:t>)</a:t>
             </a:r>
             <a:endParaRPr lang="ko-KR" altLang="en-US" b="1" dirty="0">
               <a:ln>
@@ -3591,14 +3446,20 @@
       </p:sp>
       <p:sp>
         <p:nvSpPr>
-          <p:cNvPr id="26" name="직사각형 25"/>
+          <p:cNvPr id="12" name="직사각형 11">
+            <a:extLst>
+              <a:ext uri="{FF2B5EF4-FFF2-40B4-BE49-F238E27FC236}">
+                <a16:creationId xmlns:a16="http://schemas.microsoft.com/office/drawing/2014/main" id="{2320FE88-8B8E-41DC-AFCB-B8534A9AF5CC}"/>
+              </a:ext>
+            </a:extLst>
+          </p:cNvPr>
           <p:cNvSpPr/>
           <p:nvPr/>
         </p:nvSpPr>
         <p:spPr>
           <a:xfrm>
-            <a:off x="142844" y="1214422"/>
-            <a:ext cx="6715172" cy="2775604"/>
+            <a:off x="142844" y="1214421"/>
+            <a:ext cx="8794969" cy="5382931"/>
           </a:xfrm>
           <a:prstGeom prst="rect">
             <a:avLst/>
@@ -3629,7 +3490,13 @@
       </p:sp>
       <p:sp>
         <p:nvSpPr>
-          <p:cNvPr id="27" name="TextBox 26"/>
+          <p:cNvPr id="13" name="TextBox 12">
+            <a:extLst>
+              <a:ext uri="{FF2B5EF4-FFF2-40B4-BE49-F238E27FC236}">
+                <a16:creationId xmlns:a16="http://schemas.microsoft.com/office/drawing/2014/main" id="{DD4E1F33-99A2-4CA1-AFAF-CB62AC2D2AAC}"/>
+              </a:ext>
+            </a:extLst>
+          </p:cNvPr>
           <p:cNvSpPr txBox="1"/>
           <p:nvPr/>
         </p:nvSpPr>
@@ -3657,146 +3524,40 @@
           </a:p>
         </p:txBody>
       </p:sp>
-      <p:sp>
-        <p:nvSpPr>
-          <p:cNvPr id="37" name="직사각형 36"/>
-          <p:cNvSpPr/>
+      <p:pic>
+        <p:nvPicPr>
+          <p:cNvPr id="3" name="그림 2">
+            <a:extLst>
+              <a:ext uri="{FF2B5EF4-FFF2-40B4-BE49-F238E27FC236}">
+                <a16:creationId xmlns:a16="http://schemas.microsoft.com/office/drawing/2014/main" id="{99D28544-7DDD-49D7-BC72-BF5A6C57D6F1}"/>
+              </a:ext>
+            </a:extLst>
+          </p:cNvPr>
+          <p:cNvPicPr>
+            <a:picLocks noChangeAspect="1"/>
+          </p:cNvPicPr>
           <p:nvPr/>
-        </p:nvSpPr>
+        </p:nvPicPr>
+        <p:blipFill>
+          <a:blip r:embed="rId2"/>
+          <a:stretch>
+            <a:fillRect/>
+          </a:stretch>
+        </p:blipFill>
         <p:spPr>
           <a:xfrm>
-            <a:off x="142844" y="4500570"/>
-            <a:ext cx="4214842" cy="2214578"/>
+            <a:off x="562140" y="1886684"/>
+            <a:ext cx="7956376" cy="4038403"/>
           </a:xfrm>
           <a:prstGeom prst="rect">
             <a:avLst/>
           </a:prstGeom>
         </p:spPr>
-        <p:style>
-          <a:lnRef idx="2">
-            <a:schemeClr val="accent5"/>
-          </a:lnRef>
-          <a:fillRef idx="1">
-            <a:schemeClr val="lt1"/>
-          </a:fillRef>
-          <a:effectRef idx="0">
-            <a:schemeClr val="accent5"/>
-          </a:effectRef>
-          <a:fontRef idx="minor">
-            <a:schemeClr val="dk1"/>
-          </a:fontRef>
-        </p:style>
-        <p:txBody>
-          <a:bodyPr rtlCol="0" anchor="ctr"/>
-          <a:lstStyle/>
-          <a:p>
-            <a:pPr algn="ctr"/>
-            <a:endParaRPr lang="ko-KR" altLang="en-US"/>
-          </a:p>
-        </p:txBody>
-      </p:sp>
-      <p:sp>
-        <p:nvSpPr>
-          <p:cNvPr id="38" name="TextBox 37"/>
-          <p:cNvSpPr txBox="1"/>
-          <p:nvPr/>
-        </p:nvSpPr>
-        <p:spPr>
-          <a:xfrm>
-            <a:off x="206187" y="4559866"/>
-            <a:ext cx="3222805" cy="369332"/>
-          </a:xfrm>
-          <a:prstGeom prst="rect">
-            <a:avLst/>
-          </a:prstGeom>
-          <a:noFill/>
-        </p:spPr>
-        <p:txBody>
-          <a:bodyPr wrap="none" rtlCol="0">
-            <a:spAutoFit/>
-          </a:bodyPr>
-          <a:lstStyle/>
-          <a:p>
-            <a:r>
-              <a:rPr lang="en-US" altLang="ko-KR" dirty="0"/>
-              <a:t>Here : Contents Image Insert</a:t>
-            </a:r>
-            <a:endParaRPr lang="ko-KR" altLang="en-US" dirty="0"/>
-          </a:p>
-        </p:txBody>
-      </p:sp>
-      <p:sp>
-        <p:nvSpPr>
-          <p:cNvPr id="39" name="직사각형 38"/>
-          <p:cNvSpPr/>
-          <p:nvPr/>
-        </p:nvSpPr>
-        <p:spPr>
-          <a:xfrm>
-            <a:off x="4786314" y="4500570"/>
-            <a:ext cx="4214842" cy="2214578"/>
-          </a:xfrm>
-          <a:prstGeom prst="rect">
-            <a:avLst/>
-          </a:prstGeom>
-        </p:spPr>
-        <p:style>
-          <a:lnRef idx="2">
-            <a:schemeClr val="accent5"/>
-          </a:lnRef>
-          <a:fillRef idx="1">
-            <a:schemeClr val="lt1"/>
-          </a:fillRef>
-          <a:effectRef idx="0">
-            <a:schemeClr val="accent5"/>
-          </a:effectRef>
-          <a:fontRef idx="minor">
-            <a:schemeClr val="dk1"/>
-          </a:fontRef>
-        </p:style>
-        <p:txBody>
-          <a:bodyPr rtlCol="0" anchor="ctr"/>
-          <a:lstStyle/>
-          <a:p>
-            <a:pPr algn="ctr"/>
-            <a:endParaRPr lang="ko-KR" altLang="en-US"/>
-          </a:p>
-        </p:txBody>
-      </p:sp>
-      <p:sp>
-        <p:nvSpPr>
-          <p:cNvPr id="40" name="TextBox 39"/>
-          <p:cNvSpPr txBox="1"/>
-          <p:nvPr/>
-        </p:nvSpPr>
-        <p:spPr>
-          <a:xfrm>
-            <a:off x="4849657" y="4559866"/>
-            <a:ext cx="3222805" cy="369332"/>
-          </a:xfrm>
-          <a:prstGeom prst="rect">
-            <a:avLst/>
-          </a:prstGeom>
-          <a:noFill/>
-        </p:spPr>
-        <p:txBody>
-          <a:bodyPr wrap="none" rtlCol="0">
-            <a:spAutoFit/>
-          </a:bodyPr>
-          <a:lstStyle/>
-          <a:p>
-            <a:r>
-              <a:rPr lang="en-US" altLang="ko-KR" dirty="0"/>
-              <a:t>Here : Contents Image Insert</a:t>
-            </a:r>
-            <a:endParaRPr lang="ko-KR" altLang="en-US" dirty="0"/>
-          </a:p>
-        </p:txBody>
-      </p:sp>
+      </p:pic>
     </p:spTree>
     <p:extLst>
       <p:ext uri="{BB962C8B-B14F-4D97-AF65-F5344CB8AC3E}">
-        <p14:creationId xmlns:p14="http://schemas.microsoft.com/office/powerpoint/2010/main" val="2989050781"/>
+        <p14:creationId xmlns:p14="http://schemas.microsoft.com/office/powerpoint/2010/main" val="2868114460"/>
       </p:ext>
     </p:extLst>
   </p:cSld>
@@ -3952,205 +3713,6 @@
       </p:sp>
       <p:sp>
         <p:nvSpPr>
-          <p:cNvPr id="11" name="TextBox 10">
-            <a:extLst>
-              <a:ext uri="{FF2B5EF4-FFF2-40B4-BE49-F238E27FC236}">
-                <a16:creationId xmlns:a16="http://schemas.microsoft.com/office/drawing/2014/main" id="{95B8E209-6031-44CB-AF94-70ABFBC48432}"/>
-              </a:ext>
-            </a:extLst>
-          </p:cNvPr>
-          <p:cNvSpPr txBox="1"/>
-          <p:nvPr/>
-        </p:nvSpPr>
-        <p:spPr>
-          <a:xfrm>
-            <a:off x="71406" y="714356"/>
-            <a:ext cx="4357718" cy="369332"/>
-          </a:xfrm>
-          <a:prstGeom prst="rect">
-            <a:avLst/>
-          </a:prstGeom>
-          <a:noFill/>
-          <a:ln>
-            <a:noFill/>
-          </a:ln>
-        </p:spPr>
-        <p:txBody>
-          <a:bodyPr wrap="square" rtlCol="0">
-            <a:spAutoFit/>
-          </a:bodyPr>
-          <a:lstStyle/>
-          <a:p>
-            <a:r>
-              <a:rPr lang="en-US" altLang="ko-KR" b="1" dirty="0">
-                <a:ln>
-                  <a:solidFill>
-                    <a:schemeClr val="tx1">
-                      <a:alpha val="30000"/>
-                    </a:schemeClr>
-                  </a:solidFill>
-                </a:ln>
-                <a:latin typeface="맑은 고딕" panose="020B0503020000020004" pitchFamily="50" charset="-127"/>
-                <a:ea typeface="맑은 고딕" panose="020B0503020000020004" pitchFamily="50" charset="-127"/>
-              </a:rPr>
-              <a:t>Gantt Chart : 4</a:t>
-            </a:r>
-            <a:r>
-              <a:rPr lang="ko-KR" altLang="en-US" b="1" dirty="0">
-                <a:ln>
-                  <a:solidFill>
-                    <a:schemeClr val="tx1">
-                      <a:alpha val="30000"/>
-                    </a:schemeClr>
-                  </a:solidFill>
-                </a:ln>
-                <a:latin typeface="맑은 고딕" panose="020B0503020000020004" pitchFamily="50" charset="-127"/>
-                <a:ea typeface="맑은 고딕" panose="020B0503020000020004" pitchFamily="50" charset="-127"/>
-              </a:rPr>
-              <a:t>월 </a:t>
-            </a:r>
-            <a:r>
-              <a:rPr lang="en-US" altLang="ko-KR" b="1" dirty="0">
-                <a:ln>
-                  <a:solidFill>
-                    <a:schemeClr val="tx1">
-                      <a:alpha val="30000"/>
-                    </a:schemeClr>
-                  </a:solidFill>
-                </a:ln>
-                <a:latin typeface="맑은 고딕" panose="020B0503020000020004" pitchFamily="50" charset="-127"/>
-                <a:ea typeface="맑은 고딕" panose="020B0503020000020004" pitchFamily="50" charset="-127"/>
-              </a:rPr>
-              <a:t>2</a:t>
-            </a:r>
-            <a:r>
-              <a:rPr lang="ko-KR" altLang="en-US" b="1" dirty="0">
-                <a:ln>
-                  <a:solidFill>
-                    <a:schemeClr val="tx1">
-                      <a:alpha val="30000"/>
-                    </a:schemeClr>
-                  </a:solidFill>
-                </a:ln>
-                <a:latin typeface="맑은 고딕" panose="020B0503020000020004" pitchFamily="50" charset="-127"/>
-                <a:ea typeface="맑은 고딕" panose="020B0503020000020004" pitchFamily="50" charset="-127"/>
-              </a:rPr>
-              <a:t>일 </a:t>
-            </a:r>
-            <a:r>
-              <a:rPr lang="en-US" altLang="ko-KR" b="1" dirty="0">
-                <a:ln>
-                  <a:solidFill>
-                    <a:schemeClr val="tx1">
-                      <a:alpha val="30000"/>
-                    </a:schemeClr>
-                  </a:solidFill>
-                </a:ln>
-                <a:latin typeface="맑은 고딕" panose="020B0503020000020004" pitchFamily="50" charset="-127"/>
-                <a:ea typeface="맑은 고딕" panose="020B0503020000020004" pitchFamily="50" charset="-127"/>
-              </a:rPr>
-              <a:t>~ 4</a:t>
-            </a:r>
-            <a:r>
-              <a:rPr lang="ko-KR" altLang="en-US" b="1" dirty="0">
-                <a:ln>
-                  <a:solidFill>
-                    <a:schemeClr val="tx1">
-                      <a:alpha val="30000"/>
-                    </a:schemeClr>
-                  </a:solidFill>
-                </a:ln>
-                <a:latin typeface="맑은 고딕" panose="020B0503020000020004" pitchFamily="50" charset="-127"/>
-                <a:ea typeface="맑은 고딕" panose="020B0503020000020004" pitchFamily="50" charset="-127"/>
-              </a:rPr>
-              <a:t>월 </a:t>
-            </a:r>
-            <a:r>
-              <a:rPr lang="en-US" altLang="ko-KR" b="1" dirty="0">
-                <a:ln>
-                  <a:solidFill>
-                    <a:schemeClr val="tx1">
-                      <a:alpha val="30000"/>
-                    </a:schemeClr>
-                  </a:solidFill>
-                </a:ln>
-                <a:latin typeface="맑은 고딕" panose="020B0503020000020004" pitchFamily="50" charset="-127"/>
-                <a:ea typeface="맑은 고딕" panose="020B0503020000020004" pitchFamily="50" charset="-127"/>
-              </a:rPr>
-              <a:t>9</a:t>
-            </a:r>
-            <a:r>
-              <a:rPr lang="ko-KR" altLang="en-US" b="1" dirty="0">
-                <a:ln>
-                  <a:solidFill>
-                    <a:schemeClr val="tx1">
-                      <a:alpha val="30000"/>
-                    </a:schemeClr>
-                  </a:solidFill>
-                </a:ln>
-                <a:latin typeface="맑은 고딕" panose="020B0503020000020004" pitchFamily="50" charset="-127"/>
-                <a:ea typeface="맑은 고딕" panose="020B0503020000020004" pitchFamily="50" charset="-127"/>
-              </a:rPr>
-              <a:t>일 </a:t>
-            </a:r>
-            <a:r>
-              <a:rPr lang="en-US" altLang="ko-KR" b="1" dirty="0">
-                <a:ln>
-                  <a:solidFill>
-                    <a:schemeClr val="tx1">
-                      <a:alpha val="30000"/>
-                    </a:schemeClr>
-                  </a:solidFill>
-                </a:ln>
-                <a:latin typeface="맑은 고딕" panose="020B0503020000020004" pitchFamily="50" charset="-127"/>
-                <a:ea typeface="맑은 고딕" panose="020B0503020000020004" pitchFamily="50" charset="-127"/>
-              </a:rPr>
-              <a:t>(1</a:t>
-            </a:r>
-            <a:r>
-              <a:rPr lang="ko-KR" altLang="en-US" b="1" dirty="0">
-                <a:ln>
-                  <a:solidFill>
-                    <a:schemeClr val="tx1">
-                      <a:alpha val="30000"/>
-                    </a:schemeClr>
-                  </a:solidFill>
-                </a:ln>
-                <a:latin typeface="맑은 고딕" panose="020B0503020000020004" pitchFamily="50" charset="-127"/>
-                <a:ea typeface="맑은 고딕" panose="020B0503020000020004" pitchFamily="50" charset="-127"/>
-              </a:rPr>
-              <a:t>주</a:t>
-            </a:r>
-            <a:r>
-              <a:rPr lang="en-US" altLang="ko-KR" b="1" dirty="0">
-                <a:ln>
-                  <a:solidFill>
-                    <a:schemeClr val="tx1">
-                      <a:alpha val="30000"/>
-                    </a:schemeClr>
-                  </a:solidFill>
-                </a:ln>
-                <a:latin typeface="맑은 고딕" panose="020B0503020000020004" pitchFamily="50" charset="-127"/>
-                <a:ea typeface="맑은 고딕" panose="020B0503020000020004" pitchFamily="50" charset="-127"/>
-              </a:rPr>
-              <a:t>)</a:t>
-            </a:r>
-            <a:endParaRPr lang="ko-KR" altLang="en-US" b="1" dirty="0">
-              <a:ln>
-                <a:solidFill>
-                  <a:schemeClr val="tx1">
-                    <a:alpha val="30000"/>
-                  </a:schemeClr>
-                </a:solidFill>
-              </a:ln>
-              <a:latin typeface="맑은 고딕" panose="020B0503020000020004" pitchFamily="50" charset="-127"/>
-              <a:ea typeface="맑은 고딕" panose="020B0503020000020004" pitchFamily="50" charset="-127"/>
-            </a:endParaRPr>
-          </a:p>
-        </p:txBody>
-      </p:sp>
-      <p:sp>
-        <p:nvSpPr>
           <p:cNvPr id="12" name="직사각형 11">
             <a:extLst>
               <a:ext uri="{FF2B5EF4-FFF2-40B4-BE49-F238E27FC236}">
@@ -4229,10 +3791,269 @@
           </a:p>
         </p:txBody>
       </p:sp>
+      <p:pic>
+        <p:nvPicPr>
+          <p:cNvPr id="4" name="그림 3">
+            <a:extLst>
+              <a:ext uri="{FF2B5EF4-FFF2-40B4-BE49-F238E27FC236}">
+                <a16:creationId xmlns:a16="http://schemas.microsoft.com/office/drawing/2014/main" id="{AF96A39B-96F6-4C66-AE66-B39FAF51E73A}"/>
+              </a:ext>
+            </a:extLst>
+          </p:cNvPr>
+          <p:cNvPicPr>
+            <a:picLocks noChangeAspect="1"/>
+          </p:cNvPicPr>
+          <p:nvPr/>
+        </p:nvPicPr>
+        <p:blipFill>
+          <a:blip r:embed="rId2"/>
+          <a:stretch>
+            <a:fillRect/>
+          </a:stretch>
+        </p:blipFill>
+        <p:spPr>
+          <a:xfrm>
+            <a:off x="401344" y="1849456"/>
+            <a:ext cx="7912683" cy="574308"/>
+          </a:xfrm>
+          <a:prstGeom prst="rect">
+            <a:avLst/>
+          </a:prstGeom>
+        </p:spPr>
+      </p:pic>
+      <p:pic>
+        <p:nvPicPr>
+          <p:cNvPr id="6" name="그림 5">
+            <a:extLst>
+              <a:ext uri="{FF2B5EF4-FFF2-40B4-BE49-F238E27FC236}">
+                <a16:creationId xmlns:a16="http://schemas.microsoft.com/office/drawing/2014/main" id="{9F92B26C-DCE9-4D34-8D31-6873A67F0A67}"/>
+              </a:ext>
+            </a:extLst>
+          </p:cNvPr>
+          <p:cNvPicPr>
+            <a:picLocks noChangeAspect="1"/>
+          </p:cNvPicPr>
+          <p:nvPr/>
+        </p:nvPicPr>
+        <p:blipFill>
+          <a:blip r:embed="rId3"/>
+          <a:stretch>
+            <a:fillRect/>
+          </a:stretch>
+        </p:blipFill>
+        <p:spPr>
+          <a:xfrm>
+            <a:off x="401344" y="2380051"/>
+            <a:ext cx="7912683" cy="3480300"/>
+          </a:xfrm>
+          <a:prstGeom prst="rect">
+            <a:avLst/>
+          </a:prstGeom>
+        </p:spPr>
+      </p:pic>
+      <p:sp>
+        <p:nvSpPr>
+          <p:cNvPr id="14" name="TextBox 13">
+            <a:extLst>
+              <a:ext uri="{FF2B5EF4-FFF2-40B4-BE49-F238E27FC236}">
+                <a16:creationId xmlns:a16="http://schemas.microsoft.com/office/drawing/2014/main" id="{466E2507-03B1-4A17-A72D-D2FAA42CCFBB}"/>
+              </a:ext>
+            </a:extLst>
+          </p:cNvPr>
+          <p:cNvSpPr txBox="1"/>
+          <p:nvPr/>
+        </p:nvSpPr>
+        <p:spPr>
+          <a:xfrm>
+            <a:off x="71406" y="714356"/>
+            <a:ext cx="4932642" cy="369332"/>
+          </a:xfrm>
+          <a:prstGeom prst="rect">
+            <a:avLst/>
+          </a:prstGeom>
+          <a:noFill/>
+          <a:ln>
+            <a:noFill/>
+          </a:ln>
+        </p:spPr>
+        <p:txBody>
+          <a:bodyPr wrap="square" rtlCol="0">
+            <a:spAutoFit/>
+          </a:bodyPr>
+          <a:lstStyle/>
+          <a:p>
+            <a:r>
+              <a:rPr lang="en-US" altLang="ko-KR" b="1" dirty="0">
+                <a:ln>
+                  <a:solidFill>
+                    <a:schemeClr val="tx1">
+                      <a:alpha val="30000"/>
+                    </a:schemeClr>
+                  </a:solidFill>
+                </a:ln>
+                <a:latin typeface="맑은 고딕" panose="020B0503020000020004" pitchFamily="50" charset="-127"/>
+                <a:ea typeface="맑은 고딕" panose="020B0503020000020004" pitchFamily="50" charset="-127"/>
+              </a:rPr>
+              <a:t>Gantt Chart : 05</a:t>
+            </a:r>
+            <a:r>
+              <a:rPr lang="ko-KR" altLang="en-US" b="1" dirty="0">
+                <a:ln>
+                  <a:solidFill>
+                    <a:schemeClr val="tx1">
+                      <a:alpha val="30000"/>
+                    </a:schemeClr>
+                  </a:solidFill>
+                </a:ln>
+                <a:latin typeface="맑은 고딕" panose="020B0503020000020004" pitchFamily="50" charset="-127"/>
+                <a:ea typeface="맑은 고딕" panose="020B0503020000020004" pitchFamily="50" charset="-127"/>
+              </a:rPr>
+              <a:t>월</a:t>
+            </a:r>
+            <a:r>
+              <a:rPr lang="en-US" altLang="ko-KR" b="1" dirty="0">
+                <a:ln>
+                  <a:solidFill>
+                    <a:schemeClr val="tx1">
+                      <a:alpha val="30000"/>
+                    </a:schemeClr>
+                  </a:solidFill>
+                </a:ln>
+                <a:latin typeface="맑은 고딕" panose="020B0503020000020004" pitchFamily="50" charset="-127"/>
+                <a:ea typeface="맑은 고딕" panose="020B0503020000020004" pitchFamily="50" charset="-127"/>
+              </a:rPr>
+              <a:t>04</a:t>
+            </a:r>
+            <a:r>
+              <a:rPr lang="ko-KR" altLang="en-US" b="1" dirty="0">
+                <a:ln>
+                  <a:solidFill>
+                    <a:schemeClr val="tx1">
+                      <a:alpha val="30000"/>
+                    </a:schemeClr>
+                  </a:solidFill>
+                </a:ln>
+                <a:latin typeface="맑은 고딕" panose="020B0503020000020004" pitchFamily="50" charset="-127"/>
+                <a:ea typeface="맑은 고딕" panose="020B0503020000020004" pitchFamily="50" charset="-127"/>
+              </a:rPr>
+              <a:t>일 </a:t>
+            </a:r>
+            <a:r>
+              <a:rPr lang="en-US" altLang="ko-KR" b="1" dirty="0">
+                <a:ln>
+                  <a:solidFill>
+                    <a:schemeClr val="tx1">
+                      <a:alpha val="30000"/>
+                    </a:schemeClr>
+                  </a:solidFill>
+                </a:ln>
+                <a:latin typeface="맑은 고딕" panose="020B0503020000020004" pitchFamily="50" charset="-127"/>
+                <a:ea typeface="맑은 고딕" panose="020B0503020000020004" pitchFamily="50" charset="-127"/>
+              </a:rPr>
+              <a:t>~ 05</a:t>
+            </a:r>
+            <a:r>
+              <a:rPr lang="ko-KR" altLang="en-US" b="1" dirty="0">
+                <a:ln>
+                  <a:solidFill>
+                    <a:schemeClr val="tx1">
+                      <a:alpha val="30000"/>
+                    </a:schemeClr>
+                  </a:solidFill>
+                </a:ln>
+                <a:latin typeface="맑은 고딕" panose="020B0503020000020004" pitchFamily="50" charset="-127"/>
+                <a:ea typeface="맑은 고딕" panose="020B0503020000020004" pitchFamily="50" charset="-127"/>
+              </a:rPr>
+              <a:t>월 </a:t>
+            </a:r>
+            <a:r>
+              <a:rPr lang="en-US" altLang="ko-KR" b="1" dirty="0">
+                <a:ln>
+                  <a:solidFill>
+                    <a:schemeClr val="tx1">
+                      <a:alpha val="30000"/>
+                    </a:schemeClr>
+                  </a:solidFill>
+                </a:ln>
+                <a:latin typeface="맑은 고딕" panose="020B0503020000020004" pitchFamily="50" charset="-127"/>
+                <a:ea typeface="맑은 고딕" panose="020B0503020000020004" pitchFamily="50" charset="-127"/>
+              </a:rPr>
+              <a:t>11</a:t>
+            </a:r>
+            <a:r>
+              <a:rPr lang="ko-KR" altLang="en-US" b="1" dirty="0">
+                <a:ln>
+                  <a:solidFill>
+                    <a:schemeClr val="tx1">
+                      <a:alpha val="30000"/>
+                    </a:schemeClr>
+                  </a:solidFill>
+                </a:ln>
+                <a:latin typeface="맑은 고딕" panose="020B0503020000020004" pitchFamily="50" charset="-127"/>
+                <a:ea typeface="맑은 고딕" panose="020B0503020000020004" pitchFamily="50" charset="-127"/>
+              </a:rPr>
+              <a:t>일 </a:t>
+            </a:r>
+            <a:r>
+              <a:rPr lang="en-US" altLang="ko-KR" b="1" dirty="0">
+                <a:ln>
+                  <a:solidFill>
+                    <a:schemeClr val="tx1">
+                      <a:alpha val="30000"/>
+                    </a:schemeClr>
+                  </a:solidFill>
+                </a:ln>
+                <a:latin typeface="맑은 고딕" panose="020B0503020000020004" pitchFamily="50" charset="-127"/>
+                <a:ea typeface="맑은 고딕" panose="020B0503020000020004" pitchFamily="50" charset="-127"/>
+              </a:rPr>
+              <a:t>(1</a:t>
+            </a:r>
+            <a:r>
+              <a:rPr lang="ko-KR" altLang="en-US" b="1" dirty="0">
+                <a:ln>
+                  <a:solidFill>
+                    <a:schemeClr val="tx1">
+                      <a:alpha val="30000"/>
+                    </a:schemeClr>
+                  </a:solidFill>
+                </a:ln>
+                <a:latin typeface="맑은 고딕" panose="020B0503020000020004" pitchFamily="50" charset="-127"/>
+                <a:ea typeface="맑은 고딕" panose="020B0503020000020004" pitchFamily="50" charset="-127"/>
+              </a:rPr>
+              <a:t>주</a:t>
+            </a:r>
+            <a:r>
+              <a:rPr lang="en-US" altLang="ko-KR" b="1" dirty="0">
+                <a:ln>
+                  <a:solidFill>
+                    <a:schemeClr val="tx1">
+                      <a:alpha val="30000"/>
+                    </a:schemeClr>
+                  </a:solidFill>
+                </a:ln>
+                <a:latin typeface="맑은 고딕" panose="020B0503020000020004" pitchFamily="50" charset="-127"/>
+                <a:ea typeface="맑은 고딕" panose="020B0503020000020004" pitchFamily="50" charset="-127"/>
+              </a:rPr>
+              <a:t>)</a:t>
+            </a:r>
+            <a:endParaRPr lang="ko-KR" altLang="en-US" b="1" dirty="0">
+              <a:ln>
+                <a:solidFill>
+                  <a:schemeClr val="tx1">
+                    <a:alpha val="30000"/>
+                  </a:schemeClr>
+                </a:solidFill>
+              </a:ln>
+              <a:latin typeface="맑은 고딕" panose="020B0503020000020004" pitchFamily="50" charset="-127"/>
+              <a:ea typeface="맑은 고딕" panose="020B0503020000020004" pitchFamily="50" charset="-127"/>
+            </a:endParaRPr>
+          </a:p>
+        </p:txBody>
+      </p:sp>
     </p:spTree>
     <p:extLst>
       <p:ext uri="{BB962C8B-B14F-4D97-AF65-F5344CB8AC3E}">
-        <p14:creationId xmlns:p14="http://schemas.microsoft.com/office/powerpoint/2010/main" val="2868114460"/>
+        <p14:creationId xmlns:p14="http://schemas.microsoft.com/office/powerpoint/2010/main" val="2750515365"/>
       </p:ext>
     </p:extLst>
   </p:cSld>
@@ -4388,222 +4209,6 @@
       </p:sp>
       <p:sp>
         <p:nvSpPr>
-          <p:cNvPr id="6" name="TextBox 5">
-            <a:extLst>
-              <a:ext uri="{FF2B5EF4-FFF2-40B4-BE49-F238E27FC236}">
-                <a16:creationId xmlns:a16="http://schemas.microsoft.com/office/drawing/2014/main" id="{B729E978-0679-4406-AAF1-3A6C49AC6480}"/>
-              </a:ext>
-            </a:extLst>
-          </p:cNvPr>
-          <p:cNvSpPr txBox="1"/>
-          <p:nvPr/>
-        </p:nvSpPr>
-        <p:spPr>
-          <a:xfrm>
-            <a:off x="181710" y="773652"/>
-            <a:ext cx="4894346" cy="369332"/>
-          </a:xfrm>
-          <a:prstGeom prst="rect">
-            <a:avLst/>
-          </a:prstGeom>
-          <a:noFill/>
-          <a:ln>
-            <a:noFill/>
-          </a:ln>
-        </p:spPr>
-        <p:txBody>
-          <a:bodyPr wrap="square" rtlCol="0">
-            <a:spAutoFit/>
-          </a:bodyPr>
-          <a:lstStyle/>
-          <a:p>
-            <a:r>
-              <a:rPr lang="en-US" altLang="ko-KR" b="1" dirty="0">
-                <a:ln>
-                  <a:solidFill>
-                    <a:schemeClr val="tx1">
-                      <a:alpha val="30000"/>
-                    </a:schemeClr>
-                  </a:solidFill>
-                </a:ln>
-                <a:latin typeface="맑은 고딕" panose="020B0503020000020004" pitchFamily="50" charset="-127"/>
-                <a:ea typeface="맑은 고딕" panose="020B0503020000020004" pitchFamily="50" charset="-127"/>
-              </a:rPr>
-              <a:t>Trello : </a:t>
-            </a:r>
-            <a:r>
-              <a:rPr lang="ko-KR" altLang="en-US" b="1" dirty="0">
-                <a:ln>
-                  <a:solidFill>
-                    <a:schemeClr val="tx1">
-                      <a:alpha val="30000"/>
-                    </a:schemeClr>
-                  </a:solidFill>
-                </a:ln>
-                <a:latin typeface="맑은 고딕" panose="020B0503020000020004" pitchFamily="50" charset="-127"/>
-                <a:ea typeface="맑은 고딕" panose="020B0503020000020004" pitchFamily="50" charset="-127"/>
-              </a:rPr>
-              <a:t>형상관리</a:t>
-            </a:r>
-            <a:r>
-              <a:rPr lang="en-US" altLang="ko-KR" b="1" dirty="0">
-                <a:ln>
-                  <a:solidFill>
-                    <a:schemeClr val="tx1">
-                      <a:alpha val="30000"/>
-                    </a:schemeClr>
-                  </a:solidFill>
-                </a:ln>
-                <a:latin typeface="맑은 고딕" panose="020B0503020000020004" pitchFamily="50" charset="-127"/>
-                <a:ea typeface="맑은 고딕" panose="020B0503020000020004" pitchFamily="50" charset="-127"/>
-              </a:rPr>
-              <a:t> : 4</a:t>
-            </a:r>
-            <a:r>
-              <a:rPr lang="ko-KR" altLang="en-US" b="1" dirty="0">
-                <a:ln>
-                  <a:solidFill>
-                    <a:schemeClr val="tx1">
-                      <a:alpha val="30000"/>
-                    </a:schemeClr>
-                  </a:solidFill>
-                </a:ln>
-                <a:latin typeface="맑은 고딕" panose="020B0503020000020004" pitchFamily="50" charset="-127"/>
-                <a:ea typeface="맑은 고딕" panose="020B0503020000020004" pitchFamily="50" charset="-127"/>
-              </a:rPr>
-              <a:t>월 </a:t>
-            </a:r>
-            <a:r>
-              <a:rPr lang="en-US" altLang="ko-KR" b="1" dirty="0">
-                <a:ln>
-                  <a:solidFill>
-                    <a:schemeClr val="tx1">
-                      <a:alpha val="30000"/>
-                    </a:schemeClr>
-                  </a:solidFill>
-                </a:ln>
-                <a:latin typeface="맑은 고딕" panose="020B0503020000020004" pitchFamily="50" charset="-127"/>
-                <a:ea typeface="맑은 고딕" panose="020B0503020000020004" pitchFamily="50" charset="-127"/>
-              </a:rPr>
-              <a:t>2</a:t>
-            </a:r>
-            <a:r>
-              <a:rPr lang="ko-KR" altLang="en-US" b="1" dirty="0">
-                <a:ln>
-                  <a:solidFill>
-                    <a:schemeClr val="tx1">
-                      <a:alpha val="30000"/>
-                    </a:schemeClr>
-                  </a:solidFill>
-                </a:ln>
-                <a:latin typeface="맑은 고딕" panose="020B0503020000020004" pitchFamily="50" charset="-127"/>
-                <a:ea typeface="맑은 고딕" panose="020B0503020000020004" pitchFamily="50" charset="-127"/>
-              </a:rPr>
-              <a:t>일 </a:t>
-            </a:r>
-            <a:r>
-              <a:rPr lang="en-US" altLang="ko-KR" b="1" dirty="0">
-                <a:ln>
-                  <a:solidFill>
-                    <a:schemeClr val="tx1">
-                      <a:alpha val="30000"/>
-                    </a:schemeClr>
-                  </a:solidFill>
-                </a:ln>
-                <a:latin typeface="맑은 고딕" panose="020B0503020000020004" pitchFamily="50" charset="-127"/>
-                <a:ea typeface="맑은 고딕" panose="020B0503020000020004" pitchFamily="50" charset="-127"/>
-              </a:rPr>
-              <a:t>~ 4</a:t>
-            </a:r>
-            <a:r>
-              <a:rPr lang="ko-KR" altLang="en-US" b="1" dirty="0">
-                <a:ln>
-                  <a:solidFill>
-                    <a:schemeClr val="tx1">
-                      <a:alpha val="30000"/>
-                    </a:schemeClr>
-                  </a:solidFill>
-                </a:ln>
-                <a:latin typeface="맑은 고딕" panose="020B0503020000020004" pitchFamily="50" charset="-127"/>
-                <a:ea typeface="맑은 고딕" panose="020B0503020000020004" pitchFamily="50" charset="-127"/>
-              </a:rPr>
-              <a:t>월 </a:t>
-            </a:r>
-            <a:r>
-              <a:rPr lang="en-US" altLang="ko-KR" b="1" dirty="0">
-                <a:ln>
-                  <a:solidFill>
-                    <a:schemeClr val="tx1">
-                      <a:alpha val="30000"/>
-                    </a:schemeClr>
-                  </a:solidFill>
-                </a:ln>
-                <a:latin typeface="맑은 고딕" panose="020B0503020000020004" pitchFamily="50" charset="-127"/>
-                <a:ea typeface="맑은 고딕" panose="020B0503020000020004" pitchFamily="50" charset="-127"/>
-              </a:rPr>
-              <a:t>9</a:t>
-            </a:r>
-            <a:r>
-              <a:rPr lang="ko-KR" altLang="en-US" b="1" dirty="0">
-                <a:ln>
-                  <a:solidFill>
-                    <a:schemeClr val="tx1">
-                      <a:alpha val="30000"/>
-                    </a:schemeClr>
-                  </a:solidFill>
-                </a:ln>
-                <a:latin typeface="맑은 고딕" panose="020B0503020000020004" pitchFamily="50" charset="-127"/>
-                <a:ea typeface="맑은 고딕" panose="020B0503020000020004" pitchFamily="50" charset="-127"/>
-              </a:rPr>
-              <a:t>일 </a:t>
-            </a:r>
-            <a:r>
-              <a:rPr lang="en-US" altLang="ko-KR" b="1" dirty="0">
-                <a:ln>
-                  <a:solidFill>
-                    <a:schemeClr val="tx1">
-                      <a:alpha val="30000"/>
-                    </a:schemeClr>
-                  </a:solidFill>
-                </a:ln>
-                <a:latin typeface="맑은 고딕" panose="020B0503020000020004" pitchFamily="50" charset="-127"/>
-                <a:ea typeface="맑은 고딕" panose="020B0503020000020004" pitchFamily="50" charset="-127"/>
-              </a:rPr>
-              <a:t>(1</a:t>
-            </a:r>
-            <a:r>
-              <a:rPr lang="ko-KR" altLang="en-US" b="1" dirty="0">
-                <a:ln>
-                  <a:solidFill>
-                    <a:schemeClr val="tx1">
-                      <a:alpha val="30000"/>
-                    </a:schemeClr>
-                  </a:solidFill>
-                </a:ln>
-                <a:latin typeface="맑은 고딕" panose="020B0503020000020004" pitchFamily="50" charset="-127"/>
-                <a:ea typeface="맑은 고딕" panose="020B0503020000020004" pitchFamily="50" charset="-127"/>
-              </a:rPr>
-              <a:t>주</a:t>
-            </a:r>
-            <a:r>
-              <a:rPr lang="en-US" altLang="ko-KR" b="1" dirty="0">
-                <a:ln>
-                  <a:solidFill>
-                    <a:schemeClr val="tx1">
-                      <a:alpha val="30000"/>
-                    </a:schemeClr>
-                  </a:solidFill>
-                </a:ln>
-                <a:latin typeface="맑은 고딕" panose="020B0503020000020004" pitchFamily="50" charset="-127"/>
-                <a:ea typeface="맑은 고딕" panose="020B0503020000020004" pitchFamily="50" charset="-127"/>
-              </a:rPr>
-              <a:t>)</a:t>
-            </a:r>
-          </a:p>
-        </p:txBody>
-      </p:sp>
-      <p:sp>
-        <p:nvSpPr>
           <p:cNvPr id="10" name="직사각형 9">
             <a:extLst>
               <a:ext uri="{FF2B5EF4-FFF2-40B4-BE49-F238E27FC236}">
@@ -4679,6 +4284,295 @@
               <a:t>Here : Contents Image Insert</a:t>
             </a:r>
             <a:endParaRPr lang="ko-KR" altLang="en-US" dirty="0"/>
+          </a:p>
+        </p:txBody>
+      </p:sp>
+      <p:pic>
+        <p:nvPicPr>
+          <p:cNvPr id="3" name="그림 2">
+            <a:extLst>
+              <a:ext uri="{FF2B5EF4-FFF2-40B4-BE49-F238E27FC236}">
+                <a16:creationId xmlns:a16="http://schemas.microsoft.com/office/drawing/2014/main" id="{20054E34-F5DC-4174-9069-D29BFCD9B88B}"/>
+              </a:ext>
+            </a:extLst>
+          </p:cNvPr>
+          <p:cNvPicPr>
+            <a:picLocks noChangeAspect="1"/>
+          </p:cNvPicPr>
+          <p:nvPr/>
+        </p:nvPicPr>
+        <p:blipFill>
+          <a:blip r:embed="rId2"/>
+          <a:stretch>
+            <a:fillRect/>
+          </a:stretch>
+        </p:blipFill>
+        <p:spPr>
+          <a:xfrm>
+            <a:off x="195743" y="1738182"/>
+            <a:ext cx="2248214" cy="1200318"/>
+          </a:xfrm>
+          <a:prstGeom prst="rect">
+            <a:avLst/>
+          </a:prstGeom>
+        </p:spPr>
+      </p:pic>
+      <p:pic>
+        <p:nvPicPr>
+          <p:cNvPr id="8" name="그림 7">
+            <a:extLst>
+              <a:ext uri="{FF2B5EF4-FFF2-40B4-BE49-F238E27FC236}">
+                <a16:creationId xmlns:a16="http://schemas.microsoft.com/office/drawing/2014/main" id="{20DF2B4F-2890-4242-B646-B6D98ADFD158}"/>
+              </a:ext>
+            </a:extLst>
+          </p:cNvPr>
+          <p:cNvPicPr>
+            <a:picLocks noChangeAspect="1"/>
+          </p:cNvPicPr>
+          <p:nvPr/>
+        </p:nvPicPr>
+        <p:blipFill>
+          <a:blip r:embed="rId3"/>
+          <a:stretch>
+            <a:fillRect/>
+          </a:stretch>
+        </p:blipFill>
+        <p:spPr>
+          <a:xfrm>
+            <a:off x="304458" y="3155068"/>
+            <a:ext cx="4648849" cy="2429214"/>
+          </a:xfrm>
+          <a:prstGeom prst="rect">
+            <a:avLst/>
+          </a:prstGeom>
+        </p:spPr>
+      </p:pic>
+      <p:pic>
+        <p:nvPicPr>
+          <p:cNvPr id="12" name="그림 11">
+            <a:extLst>
+              <a:ext uri="{FF2B5EF4-FFF2-40B4-BE49-F238E27FC236}">
+                <a16:creationId xmlns:a16="http://schemas.microsoft.com/office/drawing/2014/main" id="{A18C6AFD-907B-4A9C-BF42-0669C7952A73}"/>
+              </a:ext>
+            </a:extLst>
+          </p:cNvPr>
+          <p:cNvPicPr>
+            <a:picLocks noChangeAspect="1"/>
+          </p:cNvPicPr>
+          <p:nvPr/>
+        </p:nvPicPr>
+        <p:blipFill>
+          <a:blip r:embed="rId4"/>
+          <a:stretch>
+            <a:fillRect/>
+          </a:stretch>
+        </p:blipFill>
+        <p:spPr>
+          <a:xfrm>
+            <a:off x="5940152" y="1697552"/>
+            <a:ext cx="2324424" cy="3543795"/>
+          </a:xfrm>
+          <a:prstGeom prst="rect">
+            <a:avLst/>
+          </a:prstGeom>
+        </p:spPr>
+      </p:pic>
+      <p:sp>
+        <p:nvSpPr>
+          <p:cNvPr id="13" name="TextBox 12">
+            <a:extLst>
+              <a:ext uri="{FF2B5EF4-FFF2-40B4-BE49-F238E27FC236}">
+                <a16:creationId xmlns:a16="http://schemas.microsoft.com/office/drawing/2014/main" id="{D8E492F9-EA67-4424-96BE-CE7ED1AA7D91}"/>
+              </a:ext>
+            </a:extLst>
+          </p:cNvPr>
+          <p:cNvSpPr txBox="1"/>
+          <p:nvPr/>
+        </p:nvSpPr>
+        <p:spPr>
+          <a:xfrm>
+            <a:off x="71406" y="714356"/>
+            <a:ext cx="4932642" cy="369332"/>
+          </a:xfrm>
+          <a:prstGeom prst="rect">
+            <a:avLst/>
+          </a:prstGeom>
+          <a:noFill/>
+          <a:ln>
+            <a:noFill/>
+          </a:ln>
+        </p:spPr>
+        <p:txBody>
+          <a:bodyPr wrap="square" rtlCol="0">
+            <a:spAutoFit/>
+          </a:bodyPr>
+          <a:lstStyle/>
+          <a:p>
+            <a:r>
+              <a:rPr lang="en-US" altLang="ko-KR" b="1" dirty="0">
+                <a:ln>
+                  <a:solidFill>
+                    <a:schemeClr val="tx1">
+                      <a:alpha val="30000"/>
+                    </a:schemeClr>
+                  </a:solidFill>
+                </a:ln>
+                <a:latin typeface="맑은 고딕" panose="020B0503020000020004" pitchFamily="50" charset="-127"/>
+                <a:ea typeface="맑은 고딕" panose="020B0503020000020004" pitchFamily="50" charset="-127"/>
+              </a:rPr>
+              <a:t>Gantt Chart : 05</a:t>
+            </a:r>
+            <a:r>
+              <a:rPr lang="ko-KR" altLang="en-US" b="1" dirty="0">
+                <a:ln>
+                  <a:solidFill>
+                    <a:schemeClr val="tx1">
+                      <a:alpha val="30000"/>
+                    </a:schemeClr>
+                  </a:solidFill>
+                </a:ln>
+                <a:latin typeface="맑은 고딕" panose="020B0503020000020004" pitchFamily="50" charset="-127"/>
+                <a:ea typeface="맑은 고딕" panose="020B0503020000020004" pitchFamily="50" charset="-127"/>
+              </a:rPr>
+              <a:t>월</a:t>
+            </a:r>
+            <a:r>
+              <a:rPr lang="en-US" altLang="ko-KR" b="1" dirty="0">
+                <a:ln>
+                  <a:solidFill>
+                    <a:schemeClr val="tx1">
+                      <a:alpha val="30000"/>
+                    </a:schemeClr>
+                  </a:solidFill>
+                </a:ln>
+                <a:latin typeface="맑은 고딕" panose="020B0503020000020004" pitchFamily="50" charset="-127"/>
+                <a:ea typeface="맑은 고딕" panose="020B0503020000020004" pitchFamily="50" charset="-127"/>
+              </a:rPr>
+              <a:t>04</a:t>
+            </a:r>
+            <a:r>
+              <a:rPr lang="ko-KR" altLang="en-US" b="1" dirty="0">
+                <a:ln>
+                  <a:solidFill>
+                    <a:schemeClr val="tx1">
+                      <a:alpha val="30000"/>
+                    </a:schemeClr>
+                  </a:solidFill>
+                </a:ln>
+                <a:latin typeface="맑은 고딕" panose="020B0503020000020004" pitchFamily="50" charset="-127"/>
+                <a:ea typeface="맑은 고딕" panose="020B0503020000020004" pitchFamily="50" charset="-127"/>
+              </a:rPr>
+              <a:t>일 </a:t>
+            </a:r>
+            <a:r>
+              <a:rPr lang="en-US" altLang="ko-KR" b="1" dirty="0">
+                <a:ln>
+                  <a:solidFill>
+                    <a:schemeClr val="tx1">
+                      <a:alpha val="30000"/>
+                    </a:schemeClr>
+                  </a:solidFill>
+                </a:ln>
+                <a:latin typeface="맑은 고딕" panose="020B0503020000020004" pitchFamily="50" charset="-127"/>
+                <a:ea typeface="맑은 고딕" panose="020B0503020000020004" pitchFamily="50" charset="-127"/>
+              </a:rPr>
+              <a:t>~ 05</a:t>
+            </a:r>
+            <a:r>
+              <a:rPr lang="ko-KR" altLang="en-US" b="1" dirty="0">
+                <a:ln>
+                  <a:solidFill>
+                    <a:schemeClr val="tx1">
+                      <a:alpha val="30000"/>
+                    </a:schemeClr>
+                  </a:solidFill>
+                </a:ln>
+                <a:latin typeface="맑은 고딕" panose="020B0503020000020004" pitchFamily="50" charset="-127"/>
+                <a:ea typeface="맑은 고딕" panose="020B0503020000020004" pitchFamily="50" charset="-127"/>
+              </a:rPr>
+              <a:t>월 </a:t>
+            </a:r>
+            <a:r>
+              <a:rPr lang="en-US" altLang="ko-KR" b="1" dirty="0">
+                <a:ln>
+                  <a:solidFill>
+                    <a:schemeClr val="tx1">
+                      <a:alpha val="30000"/>
+                    </a:schemeClr>
+                  </a:solidFill>
+                </a:ln>
+                <a:latin typeface="맑은 고딕" panose="020B0503020000020004" pitchFamily="50" charset="-127"/>
+                <a:ea typeface="맑은 고딕" panose="020B0503020000020004" pitchFamily="50" charset="-127"/>
+              </a:rPr>
+              <a:t>11</a:t>
+            </a:r>
+            <a:r>
+              <a:rPr lang="ko-KR" altLang="en-US" b="1" dirty="0">
+                <a:ln>
+                  <a:solidFill>
+                    <a:schemeClr val="tx1">
+                      <a:alpha val="30000"/>
+                    </a:schemeClr>
+                  </a:solidFill>
+                </a:ln>
+                <a:latin typeface="맑은 고딕" panose="020B0503020000020004" pitchFamily="50" charset="-127"/>
+                <a:ea typeface="맑은 고딕" panose="020B0503020000020004" pitchFamily="50" charset="-127"/>
+              </a:rPr>
+              <a:t>일 </a:t>
+            </a:r>
+            <a:r>
+              <a:rPr lang="en-US" altLang="ko-KR" b="1" dirty="0">
+                <a:ln>
+                  <a:solidFill>
+                    <a:schemeClr val="tx1">
+                      <a:alpha val="30000"/>
+                    </a:schemeClr>
+                  </a:solidFill>
+                </a:ln>
+                <a:latin typeface="맑은 고딕" panose="020B0503020000020004" pitchFamily="50" charset="-127"/>
+                <a:ea typeface="맑은 고딕" panose="020B0503020000020004" pitchFamily="50" charset="-127"/>
+              </a:rPr>
+              <a:t>(1</a:t>
+            </a:r>
+            <a:r>
+              <a:rPr lang="ko-KR" altLang="en-US" b="1" dirty="0">
+                <a:ln>
+                  <a:solidFill>
+                    <a:schemeClr val="tx1">
+                      <a:alpha val="30000"/>
+                    </a:schemeClr>
+                  </a:solidFill>
+                </a:ln>
+                <a:latin typeface="맑은 고딕" panose="020B0503020000020004" pitchFamily="50" charset="-127"/>
+                <a:ea typeface="맑은 고딕" panose="020B0503020000020004" pitchFamily="50" charset="-127"/>
+              </a:rPr>
+              <a:t>주</a:t>
+            </a:r>
+            <a:r>
+              <a:rPr lang="en-US" altLang="ko-KR" b="1" dirty="0">
+                <a:ln>
+                  <a:solidFill>
+                    <a:schemeClr val="tx1">
+                      <a:alpha val="30000"/>
+                    </a:schemeClr>
+                  </a:solidFill>
+                </a:ln>
+                <a:latin typeface="맑은 고딕" panose="020B0503020000020004" pitchFamily="50" charset="-127"/>
+                <a:ea typeface="맑은 고딕" panose="020B0503020000020004" pitchFamily="50" charset="-127"/>
+              </a:rPr>
+              <a:t>)</a:t>
+            </a:r>
+            <a:endParaRPr lang="ko-KR" altLang="en-US" b="1" dirty="0">
+              <a:ln>
+                <a:solidFill>
+                  <a:schemeClr val="tx1">
+                    <a:alpha val="30000"/>
+                  </a:schemeClr>
+                </a:solidFill>
+              </a:ln>
+              <a:latin typeface="맑은 고딕" panose="020B0503020000020004" pitchFamily="50" charset="-127"/>
+              <a:ea typeface="맑은 고딕" panose="020B0503020000020004" pitchFamily="50" charset="-127"/>
+            </a:endParaRPr>
           </a:p>
         </p:txBody>
       </p:sp>
@@ -4841,222 +4735,6 @@
       </p:sp>
       <p:sp>
         <p:nvSpPr>
-          <p:cNvPr id="24" name="TextBox 23">
-            <a:extLst>
-              <a:ext uri="{FF2B5EF4-FFF2-40B4-BE49-F238E27FC236}">
-                <a16:creationId xmlns:a16="http://schemas.microsoft.com/office/drawing/2014/main" id="{706566D1-60CB-4C10-9859-0656D082B2B7}"/>
-              </a:ext>
-            </a:extLst>
-          </p:cNvPr>
-          <p:cNvSpPr txBox="1"/>
-          <p:nvPr/>
-        </p:nvSpPr>
-        <p:spPr>
-          <a:xfrm>
-            <a:off x="214282" y="781110"/>
-            <a:ext cx="7238038" cy="369332"/>
-          </a:xfrm>
-          <a:prstGeom prst="rect">
-            <a:avLst/>
-          </a:prstGeom>
-          <a:noFill/>
-          <a:ln>
-            <a:noFill/>
-          </a:ln>
-        </p:spPr>
-        <p:txBody>
-          <a:bodyPr wrap="square" rtlCol="0">
-            <a:spAutoFit/>
-          </a:bodyPr>
-          <a:lstStyle/>
-          <a:p>
-            <a:r>
-              <a:rPr lang="en-US" altLang="ko-KR" b="1" dirty="0">
-                <a:ln>
-                  <a:solidFill>
-                    <a:schemeClr val="tx1">
-                      <a:alpha val="30000"/>
-                    </a:schemeClr>
-                  </a:solidFill>
-                </a:ln>
-                <a:latin typeface="맑은 고딕" panose="020B0503020000020004" pitchFamily="50" charset="-127"/>
-                <a:ea typeface="맑은 고딕" panose="020B0503020000020004" pitchFamily="50" charset="-127"/>
-              </a:rPr>
-              <a:t>GitHub : </a:t>
-            </a:r>
-            <a:r>
-              <a:rPr lang="ko-KR" altLang="en-US" b="1" dirty="0">
-                <a:ln>
-                  <a:solidFill>
-                    <a:schemeClr val="tx1">
-                      <a:alpha val="30000"/>
-                    </a:schemeClr>
-                  </a:solidFill>
-                </a:ln>
-                <a:latin typeface="맑은 고딕" panose="020B0503020000020004" pitchFamily="50" charset="-127"/>
-                <a:ea typeface="맑은 고딕" panose="020B0503020000020004" pitchFamily="50" charset="-127"/>
-              </a:rPr>
-              <a:t>형상관리</a:t>
-            </a:r>
-            <a:r>
-              <a:rPr lang="en-US" altLang="ko-KR" b="1" dirty="0">
-                <a:ln>
-                  <a:solidFill>
-                    <a:schemeClr val="tx1">
-                      <a:alpha val="30000"/>
-                    </a:schemeClr>
-                  </a:solidFill>
-                </a:ln>
-                <a:latin typeface="맑은 고딕" panose="020B0503020000020004" pitchFamily="50" charset="-127"/>
-                <a:ea typeface="맑은 고딕" panose="020B0503020000020004" pitchFamily="50" charset="-127"/>
-              </a:rPr>
-              <a:t> : 4</a:t>
-            </a:r>
-            <a:r>
-              <a:rPr lang="ko-KR" altLang="en-US" b="1" dirty="0">
-                <a:ln>
-                  <a:solidFill>
-                    <a:schemeClr val="tx1">
-                      <a:alpha val="30000"/>
-                    </a:schemeClr>
-                  </a:solidFill>
-                </a:ln>
-                <a:latin typeface="맑은 고딕" panose="020B0503020000020004" pitchFamily="50" charset="-127"/>
-                <a:ea typeface="맑은 고딕" panose="020B0503020000020004" pitchFamily="50" charset="-127"/>
-              </a:rPr>
-              <a:t>월 </a:t>
-            </a:r>
-            <a:r>
-              <a:rPr lang="en-US" altLang="ko-KR" b="1" dirty="0">
-                <a:ln>
-                  <a:solidFill>
-                    <a:schemeClr val="tx1">
-                      <a:alpha val="30000"/>
-                    </a:schemeClr>
-                  </a:solidFill>
-                </a:ln>
-                <a:latin typeface="맑은 고딕" panose="020B0503020000020004" pitchFamily="50" charset="-127"/>
-                <a:ea typeface="맑은 고딕" panose="020B0503020000020004" pitchFamily="50" charset="-127"/>
-              </a:rPr>
-              <a:t>2</a:t>
-            </a:r>
-            <a:r>
-              <a:rPr lang="ko-KR" altLang="en-US" b="1" dirty="0">
-                <a:ln>
-                  <a:solidFill>
-                    <a:schemeClr val="tx1">
-                      <a:alpha val="30000"/>
-                    </a:schemeClr>
-                  </a:solidFill>
-                </a:ln>
-                <a:latin typeface="맑은 고딕" panose="020B0503020000020004" pitchFamily="50" charset="-127"/>
-                <a:ea typeface="맑은 고딕" panose="020B0503020000020004" pitchFamily="50" charset="-127"/>
-              </a:rPr>
-              <a:t>일 </a:t>
-            </a:r>
-            <a:r>
-              <a:rPr lang="en-US" altLang="ko-KR" b="1" dirty="0">
-                <a:ln>
-                  <a:solidFill>
-                    <a:schemeClr val="tx1">
-                      <a:alpha val="30000"/>
-                    </a:schemeClr>
-                  </a:solidFill>
-                </a:ln>
-                <a:latin typeface="맑은 고딕" panose="020B0503020000020004" pitchFamily="50" charset="-127"/>
-                <a:ea typeface="맑은 고딕" panose="020B0503020000020004" pitchFamily="50" charset="-127"/>
-              </a:rPr>
-              <a:t>~ 4</a:t>
-            </a:r>
-            <a:r>
-              <a:rPr lang="ko-KR" altLang="en-US" b="1" dirty="0">
-                <a:ln>
-                  <a:solidFill>
-                    <a:schemeClr val="tx1">
-                      <a:alpha val="30000"/>
-                    </a:schemeClr>
-                  </a:solidFill>
-                </a:ln>
-                <a:latin typeface="맑은 고딕" panose="020B0503020000020004" pitchFamily="50" charset="-127"/>
-                <a:ea typeface="맑은 고딕" panose="020B0503020000020004" pitchFamily="50" charset="-127"/>
-              </a:rPr>
-              <a:t>월 </a:t>
-            </a:r>
-            <a:r>
-              <a:rPr lang="en-US" altLang="ko-KR" b="1" dirty="0">
-                <a:ln>
-                  <a:solidFill>
-                    <a:schemeClr val="tx1">
-                      <a:alpha val="30000"/>
-                    </a:schemeClr>
-                  </a:solidFill>
-                </a:ln>
-                <a:latin typeface="맑은 고딕" panose="020B0503020000020004" pitchFamily="50" charset="-127"/>
-                <a:ea typeface="맑은 고딕" panose="020B0503020000020004" pitchFamily="50" charset="-127"/>
-              </a:rPr>
-              <a:t>9</a:t>
-            </a:r>
-            <a:r>
-              <a:rPr lang="ko-KR" altLang="en-US" b="1" dirty="0">
-                <a:ln>
-                  <a:solidFill>
-                    <a:schemeClr val="tx1">
-                      <a:alpha val="30000"/>
-                    </a:schemeClr>
-                  </a:solidFill>
-                </a:ln>
-                <a:latin typeface="맑은 고딕" panose="020B0503020000020004" pitchFamily="50" charset="-127"/>
-                <a:ea typeface="맑은 고딕" panose="020B0503020000020004" pitchFamily="50" charset="-127"/>
-              </a:rPr>
-              <a:t>일 </a:t>
-            </a:r>
-            <a:r>
-              <a:rPr lang="en-US" altLang="ko-KR" b="1" dirty="0">
-                <a:ln>
-                  <a:solidFill>
-                    <a:schemeClr val="tx1">
-                      <a:alpha val="30000"/>
-                    </a:schemeClr>
-                  </a:solidFill>
-                </a:ln>
-                <a:latin typeface="맑은 고딕" panose="020B0503020000020004" pitchFamily="50" charset="-127"/>
-                <a:ea typeface="맑은 고딕" panose="020B0503020000020004" pitchFamily="50" charset="-127"/>
-              </a:rPr>
-              <a:t>(1</a:t>
-            </a:r>
-            <a:r>
-              <a:rPr lang="ko-KR" altLang="en-US" b="1" dirty="0">
-                <a:ln>
-                  <a:solidFill>
-                    <a:schemeClr val="tx1">
-                      <a:alpha val="30000"/>
-                    </a:schemeClr>
-                  </a:solidFill>
-                </a:ln>
-                <a:latin typeface="맑은 고딕" panose="020B0503020000020004" pitchFamily="50" charset="-127"/>
-                <a:ea typeface="맑은 고딕" panose="020B0503020000020004" pitchFamily="50" charset="-127"/>
-              </a:rPr>
-              <a:t>주</a:t>
-            </a:r>
-            <a:r>
-              <a:rPr lang="en-US" altLang="ko-KR" b="1" dirty="0">
-                <a:ln>
-                  <a:solidFill>
-                    <a:schemeClr val="tx1">
-                      <a:alpha val="30000"/>
-                    </a:schemeClr>
-                  </a:solidFill>
-                </a:ln>
-                <a:latin typeface="맑은 고딕" panose="020B0503020000020004" pitchFamily="50" charset="-127"/>
-                <a:ea typeface="맑은 고딕" panose="020B0503020000020004" pitchFamily="50" charset="-127"/>
-              </a:rPr>
-              <a:t>) </a:t>
-            </a:r>
-          </a:p>
-        </p:txBody>
-      </p:sp>
-      <p:sp>
-        <p:nvSpPr>
           <p:cNvPr id="39" name="직사각형 38"/>
           <p:cNvSpPr/>
           <p:nvPr/>
@@ -5123,10 +4801,693 @@
           </a:p>
         </p:txBody>
       </p:sp>
+      <p:pic>
+        <p:nvPicPr>
+          <p:cNvPr id="5" name="그림 4">
+            <a:extLst>
+              <a:ext uri="{FF2B5EF4-FFF2-40B4-BE49-F238E27FC236}">
+                <a16:creationId xmlns:a16="http://schemas.microsoft.com/office/drawing/2014/main" id="{E43CA594-D053-42EE-87DD-4BD0381ABA5E}"/>
+              </a:ext>
+            </a:extLst>
+          </p:cNvPr>
+          <p:cNvPicPr>
+            <a:picLocks noChangeAspect="1"/>
+          </p:cNvPicPr>
+          <p:nvPr/>
+        </p:nvPicPr>
+        <p:blipFill>
+          <a:blip r:embed="rId2"/>
+          <a:stretch>
+            <a:fillRect/>
+          </a:stretch>
+        </p:blipFill>
+        <p:spPr>
+          <a:xfrm>
+            <a:off x="523514" y="1752603"/>
+            <a:ext cx="7668344" cy="4386033"/>
+          </a:xfrm>
+          <a:prstGeom prst="rect">
+            <a:avLst/>
+          </a:prstGeom>
+        </p:spPr>
+      </p:pic>
+      <p:sp>
+        <p:nvSpPr>
+          <p:cNvPr id="11" name="TextBox 10">
+            <a:extLst>
+              <a:ext uri="{FF2B5EF4-FFF2-40B4-BE49-F238E27FC236}">
+                <a16:creationId xmlns:a16="http://schemas.microsoft.com/office/drawing/2014/main" id="{506ACE3F-5748-477D-89AC-ED1005FE286F}"/>
+              </a:ext>
+            </a:extLst>
+          </p:cNvPr>
+          <p:cNvSpPr txBox="1"/>
+          <p:nvPr/>
+        </p:nvSpPr>
+        <p:spPr>
+          <a:xfrm>
+            <a:off x="71406" y="714356"/>
+            <a:ext cx="4932642" cy="369332"/>
+          </a:xfrm>
+          <a:prstGeom prst="rect">
+            <a:avLst/>
+          </a:prstGeom>
+          <a:noFill/>
+          <a:ln>
+            <a:noFill/>
+          </a:ln>
+        </p:spPr>
+        <p:txBody>
+          <a:bodyPr wrap="square" rtlCol="0">
+            <a:spAutoFit/>
+          </a:bodyPr>
+          <a:lstStyle/>
+          <a:p>
+            <a:r>
+              <a:rPr lang="en-US" altLang="ko-KR" b="1" dirty="0">
+                <a:ln>
+                  <a:solidFill>
+                    <a:schemeClr val="tx1">
+                      <a:alpha val="30000"/>
+                    </a:schemeClr>
+                  </a:solidFill>
+                </a:ln>
+                <a:latin typeface="맑은 고딕" panose="020B0503020000020004" pitchFamily="50" charset="-127"/>
+                <a:ea typeface="맑은 고딕" panose="020B0503020000020004" pitchFamily="50" charset="-127"/>
+              </a:rPr>
+              <a:t>Gantt Chart : 05</a:t>
+            </a:r>
+            <a:r>
+              <a:rPr lang="ko-KR" altLang="en-US" b="1" dirty="0">
+                <a:ln>
+                  <a:solidFill>
+                    <a:schemeClr val="tx1">
+                      <a:alpha val="30000"/>
+                    </a:schemeClr>
+                  </a:solidFill>
+                </a:ln>
+                <a:latin typeface="맑은 고딕" panose="020B0503020000020004" pitchFamily="50" charset="-127"/>
+                <a:ea typeface="맑은 고딕" panose="020B0503020000020004" pitchFamily="50" charset="-127"/>
+              </a:rPr>
+              <a:t>월</a:t>
+            </a:r>
+            <a:r>
+              <a:rPr lang="en-US" altLang="ko-KR" b="1" dirty="0">
+                <a:ln>
+                  <a:solidFill>
+                    <a:schemeClr val="tx1">
+                      <a:alpha val="30000"/>
+                    </a:schemeClr>
+                  </a:solidFill>
+                </a:ln>
+                <a:latin typeface="맑은 고딕" panose="020B0503020000020004" pitchFamily="50" charset="-127"/>
+                <a:ea typeface="맑은 고딕" panose="020B0503020000020004" pitchFamily="50" charset="-127"/>
+              </a:rPr>
+              <a:t>04</a:t>
+            </a:r>
+            <a:r>
+              <a:rPr lang="ko-KR" altLang="en-US" b="1" dirty="0">
+                <a:ln>
+                  <a:solidFill>
+                    <a:schemeClr val="tx1">
+                      <a:alpha val="30000"/>
+                    </a:schemeClr>
+                  </a:solidFill>
+                </a:ln>
+                <a:latin typeface="맑은 고딕" panose="020B0503020000020004" pitchFamily="50" charset="-127"/>
+                <a:ea typeface="맑은 고딕" panose="020B0503020000020004" pitchFamily="50" charset="-127"/>
+              </a:rPr>
+              <a:t>일 </a:t>
+            </a:r>
+            <a:r>
+              <a:rPr lang="en-US" altLang="ko-KR" b="1" dirty="0">
+                <a:ln>
+                  <a:solidFill>
+                    <a:schemeClr val="tx1">
+                      <a:alpha val="30000"/>
+                    </a:schemeClr>
+                  </a:solidFill>
+                </a:ln>
+                <a:latin typeface="맑은 고딕" panose="020B0503020000020004" pitchFamily="50" charset="-127"/>
+                <a:ea typeface="맑은 고딕" panose="020B0503020000020004" pitchFamily="50" charset="-127"/>
+              </a:rPr>
+              <a:t>~ 05</a:t>
+            </a:r>
+            <a:r>
+              <a:rPr lang="ko-KR" altLang="en-US" b="1" dirty="0">
+                <a:ln>
+                  <a:solidFill>
+                    <a:schemeClr val="tx1">
+                      <a:alpha val="30000"/>
+                    </a:schemeClr>
+                  </a:solidFill>
+                </a:ln>
+                <a:latin typeface="맑은 고딕" panose="020B0503020000020004" pitchFamily="50" charset="-127"/>
+                <a:ea typeface="맑은 고딕" panose="020B0503020000020004" pitchFamily="50" charset="-127"/>
+              </a:rPr>
+              <a:t>월 </a:t>
+            </a:r>
+            <a:r>
+              <a:rPr lang="en-US" altLang="ko-KR" b="1" dirty="0">
+                <a:ln>
+                  <a:solidFill>
+                    <a:schemeClr val="tx1">
+                      <a:alpha val="30000"/>
+                    </a:schemeClr>
+                  </a:solidFill>
+                </a:ln>
+                <a:latin typeface="맑은 고딕" panose="020B0503020000020004" pitchFamily="50" charset="-127"/>
+                <a:ea typeface="맑은 고딕" panose="020B0503020000020004" pitchFamily="50" charset="-127"/>
+              </a:rPr>
+              <a:t>11</a:t>
+            </a:r>
+            <a:r>
+              <a:rPr lang="ko-KR" altLang="en-US" b="1" dirty="0">
+                <a:ln>
+                  <a:solidFill>
+                    <a:schemeClr val="tx1">
+                      <a:alpha val="30000"/>
+                    </a:schemeClr>
+                  </a:solidFill>
+                </a:ln>
+                <a:latin typeface="맑은 고딕" panose="020B0503020000020004" pitchFamily="50" charset="-127"/>
+                <a:ea typeface="맑은 고딕" panose="020B0503020000020004" pitchFamily="50" charset="-127"/>
+              </a:rPr>
+              <a:t>일 </a:t>
+            </a:r>
+            <a:r>
+              <a:rPr lang="en-US" altLang="ko-KR" b="1" dirty="0">
+                <a:ln>
+                  <a:solidFill>
+                    <a:schemeClr val="tx1">
+                      <a:alpha val="30000"/>
+                    </a:schemeClr>
+                  </a:solidFill>
+                </a:ln>
+                <a:latin typeface="맑은 고딕" panose="020B0503020000020004" pitchFamily="50" charset="-127"/>
+                <a:ea typeface="맑은 고딕" panose="020B0503020000020004" pitchFamily="50" charset="-127"/>
+              </a:rPr>
+              <a:t>(1</a:t>
+            </a:r>
+            <a:r>
+              <a:rPr lang="ko-KR" altLang="en-US" b="1" dirty="0">
+                <a:ln>
+                  <a:solidFill>
+                    <a:schemeClr val="tx1">
+                      <a:alpha val="30000"/>
+                    </a:schemeClr>
+                  </a:solidFill>
+                </a:ln>
+                <a:latin typeface="맑은 고딕" panose="020B0503020000020004" pitchFamily="50" charset="-127"/>
+                <a:ea typeface="맑은 고딕" panose="020B0503020000020004" pitchFamily="50" charset="-127"/>
+              </a:rPr>
+              <a:t>주</a:t>
+            </a:r>
+            <a:r>
+              <a:rPr lang="en-US" altLang="ko-KR" b="1" dirty="0">
+                <a:ln>
+                  <a:solidFill>
+                    <a:schemeClr val="tx1">
+                      <a:alpha val="30000"/>
+                    </a:schemeClr>
+                  </a:solidFill>
+                </a:ln>
+                <a:latin typeface="맑은 고딕" panose="020B0503020000020004" pitchFamily="50" charset="-127"/>
+                <a:ea typeface="맑은 고딕" panose="020B0503020000020004" pitchFamily="50" charset="-127"/>
+              </a:rPr>
+              <a:t>)</a:t>
+            </a:r>
+            <a:endParaRPr lang="ko-KR" altLang="en-US" b="1" dirty="0">
+              <a:ln>
+                <a:solidFill>
+                  <a:schemeClr val="tx1">
+                    <a:alpha val="30000"/>
+                  </a:schemeClr>
+                </a:solidFill>
+              </a:ln>
+              <a:latin typeface="맑은 고딕" panose="020B0503020000020004" pitchFamily="50" charset="-127"/>
+              <a:ea typeface="맑은 고딕" panose="020B0503020000020004" pitchFamily="50" charset="-127"/>
+            </a:endParaRPr>
+          </a:p>
+        </p:txBody>
+      </p:sp>
     </p:spTree>
     <p:extLst>
       <p:ext uri="{BB962C8B-B14F-4D97-AF65-F5344CB8AC3E}">
         <p14:creationId xmlns:p14="http://schemas.microsoft.com/office/powerpoint/2010/main" val="2459406997"/>
+      </p:ext>
+    </p:extLst>
+  </p:cSld>
+  <p:clrMapOvr>
+    <a:masterClrMapping/>
+  </p:clrMapOvr>
+</p:sld>
+</file>
+
+<file path=ppt/slides/slide5.xml><?xml version="1.0" encoding="utf-8"?>
+<p:sld xmlns:a="http://schemas.openxmlformats.org/drawingml/2006/main" xmlns:r="http://schemas.openxmlformats.org/officeDocument/2006/relationships" xmlns:p="http://schemas.openxmlformats.org/presentationml/2006/main">
+  <p:cSld>
+    <p:spTree>
+      <p:nvGrpSpPr>
+        <p:cNvPr id="1" name=""/>
+        <p:cNvGrpSpPr/>
+        <p:nvPr/>
+      </p:nvGrpSpPr>
+      <p:grpSpPr>
+        <a:xfrm>
+          <a:off x="0" y="0"/>
+          <a:ext cx="0" cy="0"/>
+          <a:chOff x="0" y="0"/>
+          <a:chExt cx="0" cy="0"/>
+        </a:xfrm>
+      </p:grpSpPr>
+      <p:sp>
+        <p:nvSpPr>
+          <p:cNvPr id="18" name="TextBox 17">
+            <a:extLst>
+              <a:ext uri="{FF2B5EF4-FFF2-40B4-BE49-F238E27FC236}">
+                <a16:creationId xmlns:a16="http://schemas.microsoft.com/office/drawing/2014/main" id="{D7B7EE40-BAD9-4569-9BF6-F6E9ACA78A3C}"/>
+              </a:ext>
+            </a:extLst>
+          </p:cNvPr>
+          <p:cNvSpPr txBox="1"/>
+          <p:nvPr/>
+        </p:nvSpPr>
+        <p:spPr>
+          <a:xfrm>
+            <a:off x="110272" y="71414"/>
+            <a:ext cx="4247414" cy="553998"/>
+          </a:xfrm>
+          <a:prstGeom prst="rect">
+            <a:avLst/>
+          </a:prstGeom>
+          <a:noFill/>
+        </p:spPr>
+        <p:txBody>
+          <a:bodyPr wrap="square" rtlCol="0" anchor="ctr">
+            <a:spAutoFit/>
+          </a:bodyPr>
+          <a:lstStyle/>
+          <a:p>
+            <a:pPr algn="ctr">
+              <a:lnSpc>
+                <a:spcPct val="150000"/>
+              </a:lnSpc>
+            </a:pPr>
+            <a:r>
+              <a:rPr lang="ko-KR" altLang="en-US" sz="2000" b="1" dirty="0">
+                <a:ln>
+                  <a:solidFill>
+                    <a:schemeClr val="tx1">
+                      <a:alpha val="30000"/>
+                    </a:schemeClr>
+                  </a:solidFill>
+                </a:ln>
+                <a:latin typeface="맑은 고딕" panose="020B0503020000020004" pitchFamily="50" charset="-127"/>
+                <a:ea typeface="맑은 고딕" panose="020B0503020000020004" pitchFamily="50" charset="-127"/>
+              </a:rPr>
+              <a:t>개발 일정</a:t>
+            </a:r>
+            <a:r>
+              <a:rPr lang="en-US" altLang="ko-KR" sz="2000" b="1" dirty="0">
+                <a:ln>
+                  <a:solidFill>
+                    <a:schemeClr val="tx1">
+                      <a:alpha val="30000"/>
+                    </a:schemeClr>
+                  </a:solidFill>
+                </a:ln>
+                <a:latin typeface="맑은 고딕" panose="020B0503020000020004" pitchFamily="50" charset="-127"/>
+                <a:ea typeface="맑은 고딕" panose="020B0503020000020004" pitchFamily="50" charset="-127"/>
+              </a:rPr>
+              <a:t>(Development Schedule)</a:t>
+            </a:r>
+            <a:endParaRPr lang="ko-KR" altLang="en-US" sz="2000" b="1" dirty="0">
+              <a:ln>
+                <a:solidFill>
+                  <a:schemeClr val="tx1">
+                    <a:alpha val="30000"/>
+                  </a:schemeClr>
+                </a:solidFill>
+              </a:ln>
+              <a:latin typeface="맑은 고딕" panose="020B0503020000020004" pitchFamily="50" charset="-127"/>
+              <a:ea typeface="맑은 고딕" panose="020B0503020000020004" pitchFamily="50" charset="-127"/>
+            </a:endParaRPr>
+          </a:p>
+        </p:txBody>
+      </p:sp>
+      <p:sp>
+        <p:nvSpPr>
+          <p:cNvPr id="22" name="직사각형 21">
+            <a:extLst>
+              <a:ext uri="{FF2B5EF4-FFF2-40B4-BE49-F238E27FC236}">
+                <a16:creationId xmlns:a16="http://schemas.microsoft.com/office/drawing/2014/main" id="{AB4C8245-D0E4-4D79-B3E9-2FB89CE6FE84}"/>
+              </a:ext>
+            </a:extLst>
+          </p:cNvPr>
+          <p:cNvSpPr/>
+          <p:nvPr/>
+        </p:nvSpPr>
+        <p:spPr>
+          <a:xfrm>
+            <a:off x="71406" y="71415"/>
+            <a:ext cx="4286280" cy="571504"/>
+          </a:xfrm>
+          <a:prstGeom prst="rect">
+            <a:avLst/>
+          </a:prstGeom>
+          <a:noFill/>
+          <a:ln w="25400">
+            <a:solidFill>
+              <a:schemeClr val="tx1"/>
+            </a:solidFill>
+          </a:ln>
+        </p:spPr>
+        <p:style>
+          <a:lnRef idx="2">
+            <a:schemeClr val="accent1">
+              <a:shade val="50000"/>
+            </a:schemeClr>
+          </a:lnRef>
+          <a:fillRef idx="1">
+            <a:schemeClr val="accent1"/>
+          </a:fillRef>
+          <a:effectRef idx="0">
+            <a:schemeClr val="accent1"/>
+          </a:effectRef>
+          <a:fontRef idx="minor">
+            <a:schemeClr val="lt1"/>
+          </a:fontRef>
+        </p:style>
+        <p:txBody>
+          <a:bodyPr rtlCol="0" anchor="ctr"/>
+          <a:lstStyle/>
+          <a:p>
+            <a:pPr algn="ctr"/>
+            <a:endParaRPr lang="ko-KR" altLang="en-US"/>
+          </a:p>
+        </p:txBody>
+      </p:sp>
+      <p:sp>
+        <p:nvSpPr>
+          <p:cNvPr id="39" name="직사각형 38"/>
+          <p:cNvSpPr/>
+          <p:nvPr/>
+        </p:nvSpPr>
+        <p:spPr>
+          <a:xfrm>
+            <a:off x="142843" y="1221880"/>
+            <a:ext cx="8794969" cy="5447480"/>
+          </a:xfrm>
+          <a:prstGeom prst="rect">
+            <a:avLst/>
+          </a:prstGeom>
+        </p:spPr>
+        <p:style>
+          <a:lnRef idx="2">
+            <a:schemeClr val="accent5"/>
+          </a:lnRef>
+          <a:fillRef idx="1">
+            <a:schemeClr val="lt1"/>
+          </a:fillRef>
+          <a:effectRef idx="0">
+            <a:schemeClr val="accent5"/>
+          </a:effectRef>
+          <a:fontRef idx="minor">
+            <a:schemeClr val="dk1"/>
+          </a:fontRef>
+        </p:style>
+        <p:txBody>
+          <a:bodyPr rtlCol="0" anchor="ctr"/>
+          <a:lstStyle/>
+          <a:p>
+            <a:pPr algn="ctr"/>
+            <a:endParaRPr lang="ko-KR" altLang="en-US"/>
+          </a:p>
+        </p:txBody>
+      </p:sp>
+      <p:sp>
+        <p:nvSpPr>
+          <p:cNvPr id="40" name="TextBox 39"/>
+          <p:cNvSpPr txBox="1"/>
+          <p:nvPr/>
+        </p:nvSpPr>
+        <p:spPr>
+          <a:xfrm>
+            <a:off x="206187" y="1281176"/>
+            <a:ext cx="3222805" cy="369332"/>
+          </a:xfrm>
+          <a:prstGeom prst="rect">
+            <a:avLst/>
+          </a:prstGeom>
+          <a:noFill/>
+        </p:spPr>
+        <p:txBody>
+          <a:bodyPr wrap="none" rtlCol="0">
+            <a:spAutoFit/>
+          </a:bodyPr>
+          <a:lstStyle/>
+          <a:p>
+            <a:r>
+              <a:rPr lang="en-US" altLang="ko-KR" dirty="0"/>
+              <a:t>Here : Contents Image Insert</a:t>
+            </a:r>
+            <a:endParaRPr lang="ko-KR" altLang="en-US" dirty="0"/>
+          </a:p>
+        </p:txBody>
+      </p:sp>
+      <p:pic>
+        <p:nvPicPr>
+          <p:cNvPr id="3" name="그림 2">
+            <a:extLst>
+              <a:ext uri="{FF2B5EF4-FFF2-40B4-BE49-F238E27FC236}">
+                <a16:creationId xmlns:a16="http://schemas.microsoft.com/office/drawing/2014/main" id="{0D42D3A0-3441-4432-81D4-AC370AE41C0B}"/>
+              </a:ext>
+            </a:extLst>
+          </p:cNvPr>
+          <p:cNvPicPr>
+            <a:picLocks noChangeAspect="1"/>
+          </p:cNvPicPr>
+          <p:nvPr/>
+        </p:nvPicPr>
+        <p:blipFill>
+          <a:blip r:embed="rId2"/>
+          <a:stretch>
+            <a:fillRect/>
+          </a:stretch>
+        </p:blipFill>
+        <p:spPr>
+          <a:xfrm>
+            <a:off x="428075" y="2197746"/>
+            <a:ext cx="7859222" cy="3772426"/>
+          </a:xfrm>
+          <a:prstGeom prst="rect">
+            <a:avLst/>
+          </a:prstGeom>
+        </p:spPr>
+      </p:pic>
+      <p:sp>
+        <p:nvSpPr>
+          <p:cNvPr id="8" name="TextBox 7">
+            <a:extLst>
+              <a:ext uri="{FF2B5EF4-FFF2-40B4-BE49-F238E27FC236}">
+                <a16:creationId xmlns:a16="http://schemas.microsoft.com/office/drawing/2014/main" id="{69E84BD9-2446-446D-891B-357ACA03CE5A}"/>
+              </a:ext>
+            </a:extLst>
+          </p:cNvPr>
+          <p:cNvSpPr txBox="1"/>
+          <p:nvPr/>
+        </p:nvSpPr>
+        <p:spPr>
+          <a:xfrm>
+            <a:off x="71406" y="714356"/>
+            <a:ext cx="4932642" cy="369332"/>
+          </a:xfrm>
+          <a:prstGeom prst="rect">
+            <a:avLst/>
+          </a:prstGeom>
+          <a:noFill/>
+          <a:ln>
+            <a:noFill/>
+          </a:ln>
+        </p:spPr>
+        <p:txBody>
+          <a:bodyPr wrap="square" rtlCol="0">
+            <a:spAutoFit/>
+          </a:bodyPr>
+          <a:lstStyle/>
+          <a:p>
+            <a:r>
+              <a:rPr lang="en-US" altLang="ko-KR" b="1" dirty="0">
+                <a:ln>
+                  <a:solidFill>
+                    <a:schemeClr val="tx1">
+                      <a:alpha val="30000"/>
+                    </a:schemeClr>
+                  </a:solidFill>
+                </a:ln>
+                <a:latin typeface="맑은 고딕" panose="020B0503020000020004" pitchFamily="50" charset="-127"/>
+                <a:ea typeface="맑은 고딕" panose="020B0503020000020004" pitchFamily="50" charset="-127"/>
+              </a:rPr>
+              <a:t>Gantt Chart : 05</a:t>
+            </a:r>
+            <a:r>
+              <a:rPr lang="ko-KR" altLang="en-US" b="1" dirty="0">
+                <a:ln>
+                  <a:solidFill>
+                    <a:schemeClr val="tx1">
+                      <a:alpha val="30000"/>
+                    </a:schemeClr>
+                  </a:solidFill>
+                </a:ln>
+                <a:latin typeface="맑은 고딕" panose="020B0503020000020004" pitchFamily="50" charset="-127"/>
+                <a:ea typeface="맑은 고딕" panose="020B0503020000020004" pitchFamily="50" charset="-127"/>
+              </a:rPr>
+              <a:t>월</a:t>
+            </a:r>
+            <a:r>
+              <a:rPr lang="en-US" altLang="ko-KR" b="1" dirty="0">
+                <a:ln>
+                  <a:solidFill>
+                    <a:schemeClr val="tx1">
+                      <a:alpha val="30000"/>
+                    </a:schemeClr>
+                  </a:solidFill>
+                </a:ln>
+                <a:latin typeface="맑은 고딕" panose="020B0503020000020004" pitchFamily="50" charset="-127"/>
+                <a:ea typeface="맑은 고딕" panose="020B0503020000020004" pitchFamily="50" charset="-127"/>
+              </a:rPr>
+              <a:t>04</a:t>
+            </a:r>
+            <a:r>
+              <a:rPr lang="ko-KR" altLang="en-US" b="1" dirty="0">
+                <a:ln>
+                  <a:solidFill>
+                    <a:schemeClr val="tx1">
+                      <a:alpha val="30000"/>
+                    </a:schemeClr>
+                  </a:solidFill>
+                </a:ln>
+                <a:latin typeface="맑은 고딕" panose="020B0503020000020004" pitchFamily="50" charset="-127"/>
+                <a:ea typeface="맑은 고딕" panose="020B0503020000020004" pitchFamily="50" charset="-127"/>
+              </a:rPr>
+              <a:t>일 </a:t>
+            </a:r>
+            <a:r>
+              <a:rPr lang="en-US" altLang="ko-KR" b="1" dirty="0">
+                <a:ln>
+                  <a:solidFill>
+                    <a:schemeClr val="tx1">
+                      <a:alpha val="30000"/>
+                    </a:schemeClr>
+                  </a:solidFill>
+                </a:ln>
+                <a:latin typeface="맑은 고딕" panose="020B0503020000020004" pitchFamily="50" charset="-127"/>
+                <a:ea typeface="맑은 고딕" panose="020B0503020000020004" pitchFamily="50" charset="-127"/>
+              </a:rPr>
+              <a:t>~ 05</a:t>
+            </a:r>
+            <a:r>
+              <a:rPr lang="ko-KR" altLang="en-US" b="1" dirty="0">
+                <a:ln>
+                  <a:solidFill>
+                    <a:schemeClr val="tx1">
+                      <a:alpha val="30000"/>
+                    </a:schemeClr>
+                  </a:solidFill>
+                </a:ln>
+                <a:latin typeface="맑은 고딕" panose="020B0503020000020004" pitchFamily="50" charset="-127"/>
+                <a:ea typeface="맑은 고딕" panose="020B0503020000020004" pitchFamily="50" charset="-127"/>
+              </a:rPr>
+              <a:t>월 </a:t>
+            </a:r>
+            <a:r>
+              <a:rPr lang="en-US" altLang="ko-KR" b="1" dirty="0">
+                <a:ln>
+                  <a:solidFill>
+                    <a:schemeClr val="tx1">
+                      <a:alpha val="30000"/>
+                    </a:schemeClr>
+                  </a:solidFill>
+                </a:ln>
+                <a:latin typeface="맑은 고딕" panose="020B0503020000020004" pitchFamily="50" charset="-127"/>
+                <a:ea typeface="맑은 고딕" panose="020B0503020000020004" pitchFamily="50" charset="-127"/>
+              </a:rPr>
+              <a:t>11</a:t>
+            </a:r>
+            <a:r>
+              <a:rPr lang="ko-KR" altLang="en-US" b="1" dirty="0">
+                <a:ln>
+                  <a:solidFill>
+                    <a:schemeClr val="tx1">
+                      <a:alpha val="30000"/>
+                    </a:schemeClr>
+                  </a:solidFill>
+                </a:ln>
+                <a:latin typeface="맑은 고딕" panose="020B0503020000020004" pitchFamily="50" charset="-127"/>
+                <a:ea typeface="맑은 고딕" panose="020B0503020000020004" pitchFamily="50" charset="-127"/>
+              </a:rPr>
+              <a:t>일 </a:t>
+            </a:r>
+            <a:r>
+              <a:rPr lang="en-US" altLang="ko-KR" b="1" dirty="0">
+                <a:ln>
+                  <a:solidFill>
+                    <a:schemeClr val="tx1">
+                      <a:alpha val="30000"/>
+                    </a:schemeClr>
+                  </a:solidFill>
+                </a:ln>
+                <a:latin typeface="맑은 고딕" panose="020B0503020000020004" pitchFamily="50" charset="-127"/>
+                <a:ea typeface="맑은 고딕" panose="020B0503020000020004" pitchFamily="50" charset="-127"/>
+              </a:rPr>
+              <a:t>(1</a:t>
+            </a:r>
+            <a:r>
+              <a:rPr lang="ko-KR" altLang="en-US" b="1" dirty="0">
+                <a:ln>
+                  <a:solidFill>
+                    <a:schemeClr val="tx1">
+                      <a:alpha val="30000"/>
+                    </a:schemeClr>
+                  </a:solidFill>
+                </a:ln>
+                <a:latin typeface="맑은 고딕" panose="020B0503020000020004" pitchFamily="50" charset="-127"/>
+                <a:ea typeface="맑은 고딕" panose="020B0503020000020004" pitchFamily="50" charset="-127"/>
+              </a:rPr>
+              <a:t>주</a:t>
+            </a:r>
+            <a:r>
+              <a:rPr lang="en-US" altLang="ko-KR" b="1" dirty="0">
+                <a:ln>
+                  <a:solidFill>
+                    <a:schemeClr val="tx1">
+                      <a:alpha val="30000"/>
+                    </a:schemeClr>
+                  </a:solidFill>
+                </a:ln>
+                <a:latin typeface="맑은 고딕" panose="020B0503020000020004" pitchFamily="50" charset="-127"/>
+                <a:ea typeface="맑은 고딕" panose="020B0503020000020004" pitchFamily="50" charset="-127"/>
+              </a:rPr>
+              <a:t>)</a:t>
+            </a:r>
+            <a:endParaRPr lang="ko-KR" altLang="en-US" b="1" dirty="0">
+              <a:ln>
+                <a:solidFill>
+                  <a:schemeClr val="tx1">
+                    <a:alpha val="30000"/>
+                  </a:schemeClr>
+                </a:solidFill>
+              </a:ln>
+              <a:latin typeface="맑은 고딕" panose="020B0503020000020004" pitchFamily="50" charset="-127"/>
+              <a:ea typeface="맑은 고딕" panose="020B0503020000020004" pitchFamily="50" charset="-127"/>
+            </a:endParaRPr>
+          </a:p>
+        </p:txBody>
+      </p:sp>
+    </p:spTree>
+    <p:extLst>
+      <p:ext uri="{BB962C8B-B14F-4D97-AF65-F5344CB8AC3E}">
+        <p14:creationId xmlns:p14="http://schemas.microsoft.com/office/powerpoint/2010/main" val="3852864323"/>
       </p:ext>
     </p:extLst>
   </p:cSld>
